--- a/Objets connectés.pptx
+++ b/Objets connectés.pptx
@@ -10,6 +10,23 @@
     <p:sldId id="258" r:id="rId4"/>
     <p:sldId id="259" r:id="rId5"/>
     <p:sldId id="260" r:id="rId6"/>
+    <p:sldId id="262" r:id="rId7"/>
+    <p:sldId id="278" r:id="rId8"/>
+    <p:sldId id="263" r:id="rId9"/>
+    <p:sldId id="264" r:id="rId10"/>
+    <p:sldId id="265" r:id="rId11"/>
+    <p:sldId id="266" r:id="rId12"/>
+    <p:sldId id="267" r:id="rId13"/>
+    <p:sldId id="268" r:id="rId14"/>
+    <p:sldId id="269" r:id="rId15"/>
+    <p:sldId id="270" r:id="rId16"/>
+    <p:sldId id="271" r:id="rId17"/>
+    <p:sldId id="272" r:id="rId18"/>
+    <p:sldId id="273" r:id="rId19"/>
+    <p:sldId id="274" r:id="rId20"/>
+    <p:sldId id="275" r:id="rId21"/>
+    <p:sldId id="276" r:id="rId22"/>
+    <p:sldId id="277" r:id="rId23"/>
   </p:sldIdLst>
   <p:sldSz cx="12192000" cy="6858000"/>
   <p:notesSz cx="6858000" cy="9144000"/>
@@ -109,6 +126,48 @@
     </a:lvl9pPr>
   </p:defaultTextStyle>
   <p:extLst>
+    <p:ext uri="{521415D9-36F7-43E2-AB2F-B90AF26B5E84}">
+      <p14:sectionLst xmlns:p14="http://schemas.microsoft.com/office/powerpoint/2010/main">
+        <p14:section name="Présentations" id="{4965F4FD-7760-4DCF-B342-A9B62B8756FF}">
+          <p14:sldIdLst>
+            <p14:sldId id="256"/>
+            <p14:sldId id="257"/>
+            <p14:sldId id="258"/>
+            <p14:sldId id="259"/>
+            <p14:sldId id="260"/>
+            <p14:sldId id="262"/>
+            <p14:sldId id="278"/>
+          </p14:sldIdLst>
+        </p14:section>
+        <p14:section name="Internet des Objets" id="{D240FD1A-E6CD-41E9-A5E1-21B5776F8909}">
+          <p14:sldIdLst>
+            <p14:sldId id="263"/>
+            <p14:sldId id="264"/>
+            <p14:sldId id="265"/>
+            <p14:sldId id="266"/>
+            <p14:sldId id="267"/>
+          </p14:sldIdLst>
+        </p14:section>
+        <p14:section name="Programmation" id="{9FA8D4D5-D88F-48ED-B254-A07B02C01287}">
+          <p14:sldIdLst>
+            <p14:sldId id="268"/>
+            <p14:sldId id="269"/>
+            <p14:sldId id="270"/>
+            <p14:sldId id="271"/>
+            <p14:sldId id="272"/>
+            <p14:sldId id="273"/>
+            <p14:sldId id="274"/>
+            <p14:sldId id="275"/>
+          </p14:sldIdLst>
+        </p14:section>
+        <p14:section name="Kits et exercices pratiques" id="{63544750-BFF2-4343-9026-38EA39E27307}">
+          <p14:sldIdLst>
+            <p14:sldId id="276"/>
+            <p14:sldId id="277"/>
+          </p14:sldIdLst>
+        </p14:section>
+      </p14:sectionLst>
+    </p:ext>
     <p:ext uri="{EFAFB233-063F-42B5-8137-9DF3F51BA10A}">
       <p15:sldGuideLst xmlns:p15="http://schemas.microsoft.com/office/powerpoint/2012/main">
         <p15:guide id="1" orient="horz" pos="2160" userDrawn="1">
@@ -8735,6 +8794,3337 @@
 </p:sld>
 </file>
 
+<file path=ppt/slides/slide10.xml><?xml version="1.0" encoding="utf-8"?>
+<p:sld xmlns:a="http://schemas.openxmlformats.org/drawingml/2006/main" xmlns:r="http://schemas.openxmlformats.org/officeDocument/2006/relationships" xmlns:p="http://schemas.openxmlformats.org/presentationml/2006/main">
+  <p:cSld>
+    <p:bg>
+      <p:bgPr>
+        <a:solidFill>
+          <a:schemeClr val="bg1"/>
+        </a:solidFill>
+        <a:effectLst/>
+      </p:bgPr>
+    </p:bg>
+    <p:spTree>
+      <p:nvGrpSpPr>
+        <p:cNvPr id="1" name=""/>
+        <p:cNvGrpSpPr/>
+        <p:nvPr/>
+      </p:nvGrpSpPr>
+      <p:grpSpPr>
+        <a:xfrm>
+          <a:off x="0" y="0"/>
+          <a:ext cx="0" cy="0"/>
+          <a:chOff x="0" y="0"/>
+          <a:chExt cx="0" cy="0"/>
+        </a:xfrm>
+      </p:grpSpPr>
+      <p:sp>
+        <p:nvSpPr>
+          <p:cNvPr id="2" name="Titre 1">
+            <a:extLst>
+              <a:ext uri="{FF2B5EF4-FFF2-40B4-BE49-F238E27FC236}">
+                <a16:creationId xmlns:a16="http://schemas.microsoft.com/office/drawing/2014/main" id="{BD2558DC-5311-4210-BF4B-60C71DF90A2B}"/>
+              </a:ext>
+            </a:extLst>
+          </p:cNvPr>
+          <p:cNvSpPr>
+            <a:spLocks noGrp="1"/>
+          </p:cNvSpPr>
+          <p:nvPr>
+            <p:ph type="title"/>
+          </p:nvPr>
+        </p:nvSpPr>
+        <p:spPr>
+          <a:xfrm>
+            <a:off x="1097280" y="286603"/>
+            <a:ext cx="10058400" cy="1450757"/>
+          </a:xfrm>
+        </p:spPr>
+        <p:txBody>
+          <a:bodyPr>
+            <a:normAutofit/>
+          </a:bodyPr>
+          <a:lstStyle/>
+          <a:p>
+            <a:r>
+              <a:rPr lang="fr-BE" dirty="0"/>
+              <a:t>Histoire de l’IoT</a:t>
+            </a:r>
+          </a:p>
+        </p:txBody>
+      </p:sp>
+      <p:sp>
+        <p:nvSpPr>
+          <p:cNvPr id="3" name="Espace réservé du contenu 2">
+            <a:extLst>
+              <a:ext uri="{FF2B5EF4-FFF2-40B4-BE49-F238E27FC236}">
+                <a16:creationId xmlns:a16="http://schemas.microsoft.com/office/drawing/2014/main" id="{95655D7F-43BA-45E4-A4A8-0435AA27E958}"/>
+              </a:ext>
+            </a:extLst>
+          </p:cNvPr>
+          <p:cNvSpPr>
+            <a:spLocks noGrp="1"/>
+          </p:cNvSpPr>
+          <p:nvPr>
+            <p:ph idx="1"/>
+          </p:nvPr>
+        </p:nvSpPr>
+        <p:spPr>
+          <a:xfrm>
+            <a:off x="1097279" y="1845734"/>
+            <a:ext cx="6454987" cy="4023360"/>
+          </a:xfrm>
+        </p:spPr>
+        <p:txBody>
+          <a:bodyPr>
+            <a:normAutofit/>
+          </a:bodyPr>
+          <a:lstStyle/>
+          <a:p>
+            <a:r>
+              <a:rPr lang="fr-BE" dirty="0"/>
+              <a:t>L’histoire des objets connectés débute en 1999 lorsque </a:t>
+            </a:r>
+            <a:r>
+              <a:rPr lang="fr-BE" b="1" dirty="0"/>
+              <a:t>Kevin Ashton</a:t>
+            </a:r>
+            <a:r>
+              <a:rPr lang="fr-BE" dirty="0"/>
+              <a:t>, pionnier de la technologie </a:t>
+            </a:r>
+            <a:r>
+              <a:rPr lang="fr-BE" b="1" dirty="0"/>
+              <a:t>RFID</a:t>
+            </a:r>
+            <a:r>
+              <a:rPr lang="fr-BE" dirty="0"/>
+              <a:t> (</a:t>
+            </a:r>
+            <a:r>
+              <a:rPr lang="fr-BE" b="1" dirty="0"/>
+              <a:t>R</a:t>
+            </a:r>
+            <a:r>
+              <a:rPr lang="fr-BE" dirty="0"/>
+              <a:t>adio </a:t>
+            </a:r>
+            <a:r>
+              <a:rPr lang="fr-BE" b="1" dirty="0"/>
+              <a:t>F</a:t>
+            </a:r>
+            <a:r>
+              <a:rPr lang="fr-BE" dirty="0"/>
+              <a:t>requency </a:t>
+            </a:r>
+            <a:r>
+              <a:rPr lang="fr-BE" b="1" dirty="0" err="1"/>
+              <a:t>ID</a:t>
+            </a:r>
+            <a:r>
+              <a:rPr lang="fr-BE" dirty="0" err="1"/>
+              <a:t>entification</a:t>
+            </a:r>
+            <a:r>
+              <a:rPr lang="fr-BE" dirty="0"/>
+              <a:t> – Technologie d’identification automatique), invente l’expression</a:t>
+            </a:r>
+            <a:r>
+              <a:rPr lang="fr-BE" b="1" dirty="0"/>
+              <a:t> “Internet des objets”.</a:t>
+            </a:r>
+          </a:p>
+          <a:p>
+            <a:r>
+              <a:rPr lang="fr-BE" dirty="0"/>
+              <a:t>Cette même année, le concept naît aux États-Unis et particulièrement au </a:t>
+            </a:r>
+            <a:r>
+              <a:rPr lang="fr-BE" b="1" dirty="0"/>
+              <a:t>MIT</a:t>
+            </a:r>
+            <a:r>
+              <a:rPr lang="fr-BE" dirty="0"/>
+              <a:t> (</a:t>
+            </a:r>
+            <a:r>
+              <a:rPr lang="fr-BE" i="1" dirty="0"/>
+              <a:t>Massachusetts Institute of </a:t>
+            </a:r>
+            <a:r>
+              <a:rPr lang="fr-BE" i="1" dirty="0" err="1"/>
+              <a:t>Technology</a:t>
+            </a:r>
+            <a:r>
+              <a:rPr lang="fr-BE" dirty="0"/>
+              <a:t>). Ce laboratoire est dédié à la création d’objets connectés à l’aide de l’identification par radiofréquence et les réseaux de capteurs sans fil.</a:t>
+            </a:r>
+          </a:p>
+        </p:txBody>
+      </p:sp>
+      <p:pic>
+        <p:nvPicPr>
+          <p:cNvPr id="4" name="Image 3">
+            <a:extLst>
+              <a:ext uri="{FF2B5EF4-FFF2-40B4-BE49-F238E27FC236}">
+                <a16:creationId xmlns:a16="http://schemas.microsoft.com/office/drawing/2014/main" id="{A707E453-B492-4533-A1AF-0FD13E69FC80}"/>
+              </a:ext>
+            </a:extLst>
+          </p:cNvPr>
+          <p:cNvPicPr>
+            <a:picLocks noChangeAspect="1"/>
+          </p:cNvPicPr>
+          <p:nvPr/>
+        </p:nvPicPr>
+        <p:blipFill>
+          <a:blip r:embed="rId2"/>
+          <a:stretch>
+            <a:fillRect/>
+          </a:stretch>
+        </p:blipFill>
+        <p:spPr>
+          <a:xfrm>
+            <a:off x="8020570" y="2598428"/>
+            <a:ext cx="3135109" cy="2106792"/>
+          </a:xfrm>
+          <a:prstGeom prst="rect">
+            <a:avLst/>
+          </a:prstGeom>
+        </p:spPr>
+      </p:pic>
+    </p:spTree>
+    <p:extLst>
+      <p:ext uri="{BB962C8B-B14F-4D97-AF65-F5344CB8AC3E}">
+        <p14:creationId xmlns:p14="http://schemas.microsoft.com/office/powerpoint/2010/main" val="474929637"/>
+      </p:ext>
+    </p:extLst>
+  </p:cSld>
+  <p:clrMapOvr>
+    <a:masterClrMapping/>
+  </p:clrMapOvr>
+</p:sld>
+</file>
+
+<file path=ppt/slides/slide11.xml><?xml version="1.0" encoding="utf-8"?>
+<p:sld xmlns:a="http://schemas.openxmlformats.org/drawingml/2006/main" xmlns:r="http://schemas.openxmlformats.org/officeDocument/2006/relationships" xmlns:p="http://schemas.openxmlformats.org/presentationml/2006/main">
+  <p:cSld>
+    <p:bg>
+      <p:bgPr>
+        <a:solidFill>
+          <a:schemeClr val="bg1"/>
+        </a:solidFill>
+        <a:effectLst/>
+      </p:bgPr>
+    </p:bg>
+    <p:spTree>
+      <p:nvGrpSpPr>
+        <p:cNvPr id="1" name=""/>
+        <p:cNvGrpSpPr/>
+        <p:nvPr/>
+      </p:nvGrpSpPr>
+      <p:grpSpPr>
+        <a:xfrm>
+          <a:off x="0" y="0"/>
+          <a:ext cx="0" cy="0"/>
+          <a:chOff x="0" y="0"/>
+          <a:chExt cx="0" cy="0"/>
+        </a:xfrm>
+      </p:grpSpPr>
+      <p:sp useBgFill="1">
+        <p:nvSpPr>
+          <p:cNvPr id="135" name="Rectangle 134">
+            <a:extLst>
+              <a:ext uri="{FF2B5EF4-FFF2-40B4-BE49-F238E27FC236}">
+                <a16:creationId xmlns:a16="http://schemas.microsoft.com/office/drawing/2014/main" id="{52ABB703-2B0E-4C3B-B4A2-F3973548E561}"/>
+              </a:ext>
+              <a:ext uri="{C183D7F6-B498-43B3-948B-1728B52AA6E4}">
+                <adec:decorative xmlns:adec="http://schemas.microsoft.com/office/drawing/2017/decorative" val="1"/>
+              </a:ext>
+            </a:extLst>
+          </p:cNvPr>
+          <p:cNvSpPr>
+            <a:spLocks noGrp="1" noRot="1" noChangeAspect="1" noMove="1" noResize="1" noEditPoints="1" noAdjustHandles="1" noChangeArrowheads="1" noChangeShapeType="1" noTextEdit="1"/>
+          </p:cNvSpPr>
+          <p:nvPr>
+            <p:extLst>
+              <p:ext uri="{386F3935-93C4-4BCD-93E2-E3B085C9AB24}">
+                <p16:designElem xmlns:p16="http://schemas.microsoft.com/office/powerpoint/2015/main" val="1"/>
+              </p:ext>
+            </p:extLst>
+          </p:nvPr>
+        </p:nvSpPr>
+        <p:spPr>
+          <a:xfrm>
+            <a:off x="0" y="0"/>
+            <a:ext cx="12192001" cy="6334316"/>
+          </a:xfrm>
+          <a:prstGeom prst="rect">
+            <a:avLst/>
+          </a:prstGeom>
+          <a:ln>
+            <a:noFill/>
+          </a:ln>
+        </p:spPr>
+        <p:style>
+          <a:lnRef idx="2">
+            <a:schemeClr val="accent1">
+              <a:shade val="50000"/>
+            </a:schemeClr>
+          </a:lnRef>
+          <a:fillRef idx="1">
+            <a:schemeClr val="accent1"/>
+          </a:fillRef>
+          <a:effectRef idx="0">
+            <a:schemeClr val="accent1"/>
+          </a:effectRef>
+          <a:fontRef idx="minor">
+            <a:schemeClr val="lt1"/>
+          </a:fontRef>
+        </p:style>
+        <p:txBody>
+          <a:bodyPr rtlCol="0" anchor="ctr"/>
+          <a:lstStyle/>
+          <a:p>
+            <a:pPr algn="ctr"/>
+            <a:endParaRPr lang="en-US"/>
+          </a:p>
+        </p:txBody>
+      </p:sp>
+      <p:sp>
+        <p:nvSpPr>
+          <p:cNvPr id="2" name="Titre 1">
+            <a:extLst>
+              <a:ext uri="{FF2B5EF4-FFF2-40B4-BE49-F238E27FC236}">
+                <a16:creationId xmlns:a16="http://schemas.microsoft.com/office/drawing/2014/main" id="{654A8181-EE4F-460C-9DBA-1DFC589D5A4C}"/>
+              </a:ext>
+            </a:extLst>
+          </p:cNvPr>
+          <p:cNvSpPr>
+            <a:spLocks noGrp="1"/>
+          </p:cNvSpPr>
+          <p:nvPr>
+            <p:ph type="title"/>
+          </p:nvPr>
+        </p:nvSpPr>
+        <p:spPr>
+          <a:xfrm>
+            <a:off x="6411685" y="634946"/>
+            <a:ext cx="5127171" cy="1450757"/>
+          </a:xfrm>
+        </p:spPr>
+        <p:txBody>
+          <a:bodyPr>
+            <a:normAutofit/>
+          </a:bodyPr>
+          <a:lstStyle/>
+          <a:p>
+            <a:r>
+              <a:rPr lang="fr-BE"/>
+              <a:t>Histoire de l’IoT</a:t>
+            </a:r>
+          </a:p>
+        </p:txBody>
+      </p:sp>
+      <p:pic>
+        <p:nvPicPr>
+          <p:cNvPr id="2050" name="Picture 2" descr="http://www.letendanceur.bzh/wp-content/uploads/2016/11/Lapin-Nabaztag.jpg">
+            <a:extLst>
+              <a:ext uri="{FF2B5EF4-FFF2-40B4-BE49-F238E27FC236}">
+                <a16:creationId xmlns:a16="http://schemas.microsoft.com/office/drawing/2014/main" id="{B037D0E8-45CE-4D1A-9CF2-65D31E3EB3E6}"/>
+              </a:ext>
+            </a:extLst>
+          </p:cNvPr>
+          <p:cNvPicPr>
+            <a:picLocks noChangeAspect="1" noChangeArrowheads="1"/>
+          </p:cNvPicPr>
+          <p:nvPr/>
+        </p:nvPicPr>
+        <p:blipFill rotWithShape="1">
+          <a:blip r:embed="rId2">
+            <a:extLst>
+              <a:ext uri="{28A0092B-C50C-407E-A947-70E740481C1C}">
+                <a14:useLocalDpi xmlns:a14="http://schemas.microsoft.com/office/drawing/2010/main" val="0"/>
+              </a:ext>
+            </a:extLst>
+          </a:blip>
+          <a:srcRect b="5063"/>
+          <a:stretch/>
+        </p:blipFill>
+        <p:spPr bwMode="auto">
+          <a:xfrm>
+            <a:off x="643192" y="1735705"/>
+            <a:ext cx="5451627" cy="3066548"/>
+          </a:xfrm>
+          <a:prstGeom prst="rect">
+            <a:avLst/>
+          </a:prstGeom>
+          <a:noFill/>
+          <a:extLst>
+            <a:ext uri="{909E8E84-426E-40DD-AFC4-6F175D3DCCD1}">
+              <a14:hiddenFill xmlns:a14="http://schemas.microsoft.com/office/drawing/2010/main">
+                <a:solidFill>
+                  <a:srgbClr val="FFFFFF"/>
+                </a:solidFill>
+              </a14:hiddenFill>
+            </a:ext>
+          </a:extLst>
+        </p:spPr>
+      </p:pic>
+      <p:cxnSp>
+        <p:nvCxnSpPr>
+          <p:cNvPr id="137" name="Straight Connector 136">
+            <a:extLst>
+              <a:ext uri="{FF2B5EF4-FFF2-40B4-BE49-F238E27FC236}">
+                <a16:creationId xmlns:a16="http://schemas.microsoft.com/office/drawing/2014/main" id="{9C21570E-E159-49A6-9891-FA397B7A92D3}"/>
+              </a:ext>
+              <a:ext uri="{C183D7F6-B498-43B3-948B-1728B52AA6E4}">
+                <adec:decorative xmlns:adec="http://schemas.microsoft.com/office/drawing/2017/decorative" val="1"/>
+              </a:ext>
+            </a:extLst>
+          </p:cNvPr>
+          <p:cNvCxnSpPr>
+            <a:cxnSpLocks noGrp="1" noRot="1" noChangeAspect="1" noMove="1" noResize="1" noEditPoints="1" noAdjustHandles="1" noChangeArrowheads="1" noChangeShapeType="1"/>
+          </p:cNvCxnSpPr>
+          <p:nvPr>
+            <p:extLst>
+              <p:ext uri="{386F3935-93C4-4BCD-93E2-E3B085C9AB24}">
+                <p16:designElem xmlns:p16="http://schemas.microsoft.com/office/powerpoint/2015/main" val="1"/>
+              </p:ext>
+            </p:extLst>
+          </p:nvPr>
+        </p:nvCxnSpPr>
+        <p:spPr>
+          <a:xfrm>
+            <a:off x="6411684" y="2086188"/>
+            <a:ext cx="4748808" cy="0"/>
+          </a:xfrm>
+          <a:prstGeom prst="line">
+            <a:avLst/>
+          </a:prstGeom>
+          <a:ln w="6350">
+            <a:solidFill>
+              <a:schemeClr val="tx1">
+                <a:lumMod val="50000"/>
+                <a:lumOff val="50000"/>
+                <a:alpha val="90000"/>
+              </a:schemeClr>
+            </a:solidFill>
+          </a:ln>
+        </p:spPr>
+        <p:style>
+          <a:lnRef idx="1">
+            <a:schemeClr val="accent1"/>
+          </a:lnRef>
+          <a:fillRef idx="0">
+            <a:schemeClr val="accent1"/>
+          </a:fillRef>
+          <a:effectRef idx="0">
+            <a:schemeClr val="accent1"/>
+          </a:effectRef>
+          <a:fontRef idx="minor">
+            <a:schemeClr val="tx1"/>
+          </a:fontRef>
+        </p:style>
+      </p:cxnSp>
+      <p:sp>
+        <p:nvSpPr>
+          <p:cNvPr id="3" name="Espace réservé du contenu 2">
+            <a:extLst>
+              <a:ext uri="{FF2B5EF4-FFF2-40B4-BE49-F238E27FC236}">
+                <a16:creationId xmlns:a16="http://schemas.microsoft.com/office/drawing/2014/main" id="{7D36716C-BED1-46E7-9003-5AB28E77BDD2}"/>
+              </a:ext>
+            </a:extLst>
+          </p:cNvPr>
+          <p:cNvSpPr>
+            <a:spLocks noGrp="1"/>
+          </p:cNvSpPr>
+          <p:nvPr>
+            <p:ph idx="1"/>
+          </p:nvPr>
+        </p:nvSpPr>
+        <p:spPr>
+          <a:xfrm>
+            <a:off x="6411684" y="2198914"/>
+            <a:ext cx="5127172" cy="3670180"/>
+          </a:xfrm>
+        </p:spPr>
+        <p:txBody>
+          <a:bodyPr>
+            <a:normAutofit/>
+          </a:bodyPr>
+          <a:lstStyle/>
+          <a:p>
+            <a:r>
+              <a:rPr lang="fr-BE"/>
+              <a:t>En 2003,</a:t>
+            </a:r>
+            <a:r>
+              <a:rPr lang="fr-BE" b="1"/>
+              <a:t> Rafi </a:t>
+            </a:r>
+            <a:r>
+              <a:rPr lang="fr-BE" b="1" err="1"/>
+              <a:t>Haladjian</a:t>
+            </a:r>
+            <a:r>
+              <a:rPr lang="fr-BE"/>
+              <a:t>, inventeur du premier opérateur Internet en France (</a:t>
+            </a:r>
+            <a:r>
+              <a:rPr lang="fr-BE" b="1" err="1"/>
+              <a:t>Francenet</a:t>
+            </a:r>
+            <a:r>
+              <a:rPr lang="fr-BE"/>
+              <a:t>), créé la lampe DAL. Une lampe d’ambiance équipée de 9 </a:t>
+            </a:r>
+            <a:r>
+              <a:rPr lang="fr-BE" err="1"/>
+              <a:t>LEDs</a:t>
+            </a:r>
+            <a:r>
+              <a:rPr lang="fr-BE"/>
+              <a:t>, proposant différentes couleurs et commercialisée à 790 euros.</a:t>
+            </a:r>
+          </a:p>
+          <a:p>
+            <a:r>
+              <a:rPr lang="fr-BE"/>
+              <a:t>Deux ans plus tard, l’entreprise du créateur lance le </a:t>
+            </a:r>
+            <a:r>
+              <a:rPr lang="fr-BE" err="1"/>
+              <a:t>Nabaztag</a:t>
+            </a:r>
+            <a:r>
+              <a:rPr lang="fr-BE"/>
+              <a:t>, un lapin connecté en Wi-Fi qui lit les mails à haute voix, émets des signaux visuels et diffuse de la musique.</a:t>
+            </a:r>
+          </a:p>
+        </p:txBody>
+      </p:sp>
+      <p:sp>
+        <p:nvSpPr>
+          <p:cNvPr id="139" name="Rectangle 138">
+            <a:extLst>
+              <a:ext uri="{FF2B5EF4-FFF2-40B4-BE49-F238E27FC236}">
+                <a16:creationId xmlns:a16="http://schemas.microsoft.com/office/drawing/2014/main" id="{E95DA498-D9A2-4DA9-B9DA-B3776E08CF7E}"/>
+              </a:ext>
+              <a:ext uri="{C183D7F6-B498-43B3-948B-1728B52AA6E4}">
+                <adec:decorative xmlns:adec="http://schemas.microsoft.com/office/drawing/2017/decorative" val="1"/>
+              </a:ext>
+            </a:extLst>
+          </p:cNvPr>
+          <p:cNvSpPr>
+            <a:spLocks noGrp="1" noRot="1" noChangeAspect="1" noMove="1" noResize="1" noEditPoints="1" noAdjustHandles="1" noChangeArrowheads="1" noChangeShapeType="1" noTextEdit="1"/>
+          </p:cNvSpPr>
+          <p:nvPr>
+            <p:extLst>
+              <p:ext uri="{386F3935-93C4-4BCD-93E2-E3B085C9AB24}">
+                <p16:designElem xmlns:p16="http://schemas.microsoft.com/office/powerpoint/2015/main" val="1"/>
+              </p:ext>
+            </p:extLst>
+          </p:nvPr>
+        </p:nvSpPr>
+        <p:spPr>
+          <a:xfrm>
+            <a:off x="15" y="6334316"/>
+            <a:ext cx="12191985" cy="66484"/>
+          </a:xfrm>
+          <a:prstGeom prst="rect">
+            <a:avLst/>
+          </a:prstGeom>
+          <a:solidFill>
+            <a:schemeClr val="accent1"/>
+          </a:solidFill>
+          <a:ln>
+            <a:noFill/>
+          </a:ln>
+        </p:spPr>
+        <p:style>
+          <a:lnRef idx="2">
+            <a:schemeClr val="accent1">
+              <a:shade val="50000"/>
+            </a:schemeClr>
+          </a:lnRef>
+          <a:fillRef idx="1">
+            <a:schemeClr val="accent1"/>
+          </a:fillRef>
+          <a:effectRef idx="0">
+            <a:schemeClr val="accent1"/>
+          </a:effectRef>
+          <a:fontRef idx="minor">
+            <a:schemeClr val="lt1"/>
+          </a:fontRef>
+        </p:style>
+      </p:sp>
+      <p:sp>
+        <p:nvSpPr>
+          <p:cNvPr id="141" name="Rectangle 140">
+            <a:extLst>
+              <a:ext uri="{FF2B5EF4-FFF2-40B4-BE49-F238E27FC236}">
+                <a16:creationId xmlns:a16="http://schemas.microsoft.com/office/drawing/2014/main" id="{82A73093-4B9D-420D-B17E-52293703A1D4}"/>
+              </a:ext>
+              <a:ext uri="{C183D7F6-B498-43B3-948B-1728B52AA6E4}">
+                <adec:decorative xmlns:adec="http://schemas.microsoft.com/office/drawing/2017/decorative" val="1"/>
+              </a:ext>
+            </a:extLst>
+          </p:cNvPr>
+          <p:cNvSpPr>
+            <a:spLocks noGrp="1" noRot="1" noChangeAspect="1" noMove="1" noResize="1" noEditPoints="1" noAdjustHandles="1" noChangeArrowheads="1" noChangeShapeType="1" noTextEdit="1"/>
+          </p:cNvSpPr>
+          <p:nvPr>
+            <p:extLst>
+              <p:ext uri="{386F3935-93C4-4BCD-93E2-E3B085C9AB24}">
+                <p16:designElem xmlns:p16="http://schemas.microsoft.com/office/powerpoint/2015/main" val="1"/>
+              </p:ext>
+            </p:extLst>
+          </p:nvPr>
+        </p:nvSpPr>
+        <p:spPr>
+          <a:xfrm>
+            <a:off x="1" y="6400800"/>
+            <a:ext cx="12192000" cy="457200"/>
+          </a:xfrm>
+          <a:prstGeom prst="rect">
+            <a:avLst/>
+          </a:prstGeom>
+          <a:solidFill>
+            <a:schemeClr val="accent2"/>
+          </a:solidFill>
+          <a:ln>
+            <a:noFill/>
+          </a:ln>
+        </p:spPr>
+        <p:style>
+          <a:lnRef idx="2">
+            <a:schemeClr val="accent1">
+              <a:shade val="50000"/>
+            </a:schemeClr>
+          </a:lnRef>
+          <a:fillRef idx="1">
+            <a:schemeClr val="accent1"/>
+          </a:fillRef>
+          <a:effectRef idx="0">
+            <a:schemeClr val="accent1"/>
+          </a:effectRef>
+          <a:fontRef idx="minor">
+            <a:schemeClr val="lt1"/>
+          </a:fontRef>
+        </p:style>
+      </p:sp>
+    </p:spTree>
+    <p:extLst>
+      <p:ext uri="{BB962C8B-B14F-4D97-AF65-F5344CB8AC3E}">
+        <p14:creationId xmlns:p14="http://schemas.microsoft.com/office/powerpoint/2010/main" val="460130149"/>
+      </p:ext>
+    </p:extLst>
+  </p:cSld>
+  <p:clrMapOvr>
+    <a:masterClrMapping/>
+  </p:clrMapOvr>
+</p:sld>
+</file>
+
+<file path=ppt/slides/slide12.xml><?xml version="1.0" encoding="utf-8"?>
+<p:sld xmlns:a="http://schemas.openxmlformats.org/drawingml/2006/main" xmlns:r="http://schemas.openxmlformats.org/officeDocument/2006/relationships" xmlns:p="http://schemas.openxmlformats.org/presentationml/2006/main">
+  <p:cSld>
+    <p:bg>
+      <p:bgPr>
+        <a:solidFill>
+          <a:schemeClr val="bg1"/>
+        </a:solidFill>
+        <a:effectLst/>
+      </p:bgPr>
+    </p:bg>
+    <p:spTree>
+      <p:nvGrpSpPr>
+        <p:cNvPr id="1" name=""/>
+        <p:cNvGrpSpPr/>
+        <p:nvPr/>
+      </p:nvGrpSpPr>
+      <p:grpSpPr>
+        <a:xfrm>
+          <a:off x="0" y="0"/>
+          <a:ext cx="0" cy="0"/>
+          <a:chOff x="0" y="0"/>
+          <a:chExt cx="0" cy="0"/>
+        </a:xfrm>
+      </p:grpSpPr>
+      <p:sp useBgFill="1">
+        <p:nvSpPr>
+          <p:cNvPr id="22" name="Rectangle 21">
+            <a:extLst>
+              <a:ext uri="{FF2B5EF4-FFF2-40B4-BE49-F238E27FC236}">
+                <a16:creationId xmlns:a16="http://schemas.microsoft.com/office/drawing/2014/main" id="{311973C2-EB8B-452A-A698-4A252FD3AE28}"/>
+              </a:ext>
+              <a:ext uri="{C183D7F6-B498-43B3-948B-1728B52AA6E4}">
+                <adec:decorative xmlns:adec="http://schemas.microsoft.com/office/drawing/2017/decorative" val="1"/>
+              </a:ext>
+            </a:extLst>
+          </p:cNvPr>
+          <p:cNvSpPr>
+            <a:spLocks noGrp="1" noRot="1" noChangeAspect="1" noMove="1" noResize="1" noEditPoints="1" noAdjustHandles="1" noChangeArrowheads="1" noChangeShapeType="1" noTextEdit="1"/>
+          </p:cNvSpPr>
+          <p:nvPr>
+            <p:extLst>
+              <p:ext uri="{386F3935-93C4-4BCD-93E2-E3B085C9AB24}">
+                <p16:designElem xmlns:p16="http://schemas.microsoft.com/office/powerpoint/2015/main" val="1"/>
+              </p:ext>
+            </p:extLst>
+          </p:nvPr>
+        </p:nvSpPr>
+        <p:spPr>
+          <a:xfrm>
+            <a:off x="0" y="1"/>
+            <a:ext cx="12192000" cy="6857999"/>
+          </a:xfrm>
+          <a:prstGeom prst="rect">
+            <a:avLst/>
+          </a:prstGeom>
+          <a:ln>
+            <a:noFill/>
+          </a:ln>
+        </p:spPr>
+        <p:style>
+          <a:lnRef idx="2">
+            <a:schemeClr val="accent1">
+              <a:shade val="50000"/>
+            </a:schemeClr>
+          </a:lnRef>
+          <a:fillRef idx="1">
+            <a:schemeClr val="accent1"/>
+          </a:fillRef>
+          <a:effectRef idx="0">
+            <a:schemeClr val="accent1"/>
+          </a:effectRef>
+          <a:fontRef idx="minor">
+            <a:schemeClr val="lt1"/>
+          </a:fontRef>
+        </p:style>
+        <p:txBody>
+          <a:bodyPr rtlCol="0" anchor="ctr"/>
+          <a:lstStyle/>
+          <a:p>
+            <a:pPr algn="ctr"/>
+            <a:endParaRPr lang="en-US"/>
+          </a:p>
+        </p:txBody>
+      </p:sp>
+      <p:sp useBgFill="1">
+        <p:nvSpPr>
+          <p:cNvPr id="24" name="Rectangle 23">
+            <a:extLst>
+              <a:ext uri="{FF2B5EF4-FFF2-40B4-BE49-F238E27FC236}">
+                <a16:creationId xmlns:a16="http://schemas.microsoft.com/office/drawing/2014/main" id="{10162E77-11AD-44A7-84EC-40C59EEFBD2E}"/>
+              </a:ext>
+              <a:ext uri="{C183D7F6-B498-43B3-948B-1728B52AA6E4}">
+                <adec:decorative xmlns:adec="http://schemas.microsoft.com/office/drawing/2017/decorative" val="1"/>
+              </a:ext>
+            </a:extLst>
+          </p:cNvPr>
+          <p:cNvSpPr>
+            <a:spLocks noGrp="1" noRot="1" noChangeAspect="1" noMove="1" noResize="1" noEditPoints="1" noAdjustHandles="1" noChangeArrowheads="1" noChangeShapeType="1" noTextEdit="1"/>
+          </p:cNvSpPr>
+          <p:nvPr>
+            <p:extLst>
+              <p:ext uri="{386F3935-93C4-4BCD-93E2-E3B085C9AB24}">
+                <p16:designElem xmlns:p16="http://schemas.microsoft.com/office/powerpoint/2015/main" val="1"/>
+              </p:ext>
+            </p:extLst>
+          </p:nvPr>
+        </p:nvSpPr>
+        <p:spPr>
+          <a:xfrm>
+            <a:off x="0" y="0"/>
+            <a:ext cx="12192001" cy="6334316"/>
+          </a:xfrm>
+          <a:prstGeom prst="rect">
+            <a:avLst/>
+          </a:prstGeom>
+          <a:ln>
+            <a:noFill/>
+          </a:ln>
+        </p:spPr>
+        <p:style>
+          <a:lnRef idx="2">
+            <a:schemeClr val="accent1">
+              <a:shade val="50000"/>
+            </a:schemeClr>
+          </a:lnRef>
+          <a:fillRef idx="1">
+            <a:schemeClr val="accent1"/>
+          </a:fillRef>
+          <a:effectRef idx="0">
+            <a:schemeClr val="accent1"/>
+          </a:effectRef>
+          <a:fontRef idx="minor">
+            <a:schemeClr val="lt1"/>
+          </a:fontRef>
+        </p:style>
+        <p:txBody>
+          <a:bodyPr rtlCol="0" anchor="ctr"/>
+          <a:lstStyle/>
+          <a:p>
+            <a:pPr algn="ctr"/>
+            <a:endParaRPr lang="en-US"/>
+          </a:p>
+        </p:txBody>
+      </p:sp>
+      <p:sp>
+        <p:nvSpPr>
+          <p:cNvPr id="2" name="Titre 1">
+            <a:extLst>
+              <a:ext uri="{FF2B5EF4-FFF2-40B4-BE49-F238E27FC236}">
+                <a16:creationId xmlns:a16="http://schemas.microsoft.com/office/drawing/2014/main" id="{4140E294-B3AA-490B-8095-577A4C81E433}"/>
+              </a:ext>
+            </a:extLst>
+          </p:cNvPr>
+          <p:cNvSpPr>
+            <a:spLocks noGrp="1"/>
+          </p:cNvSpPr>
+          <p:nvPr>
+            <p:ph type="title"/>
+          </p:nvPr>
+        </p:nvSpPr>
+        <p:spPr>
+          <a:xfrm>
+            <a:off x="5181601" y="634946"/>
+            <a:ext cx="6368142" cy="1450757"/>
+          </a:xfrm>
+        </p:spPr>
+        <p:txBody>
+          <a:bodyPr>
+            <a:normAutofit/>
+          </a:bodyPr>
+          <a:lstStyle/>
+          <a:p>
+            <a:r>
+              <a:rPr lang="fr-BE"/>
+              <a:t>Histoire de l’IoT</a:t>
+            </a:r>
+            <a:endParaRPr lang="fr-BE" dirty="0"/>
+          </a:p>
+        </p:txBody>
+      </p:sp>
+      <p:pic>
+        <p:nvPicPr>
+          <p:cNvPr id="4" name="Image 3">
+            <a:extLst>
+              <a:ext uri="{FF2B5EF4-FFF2-40B4-BE49-F238E27FC236}">
+                <a16:creationId xmlns:a16="http://schemas.microsoft.com/office/drawing/2014/main" id="{B860E91B-C137-4218-994A-ACFCF1868E2B}"/>
+              </a:ext>
+            </a:extLst>
+          </p:cNvPr>
+          <p:cNvPicPr>
+            <a:picLocks noChangeAspect="1"/>
+          </p:cNvPicPr>
+          <p:nvPr/>
+        </p:nvPicPr>
+        <p:blipFill rotWithShape="1">
+          <a:blip r:embed="rId2">
+            <a:extLst/>
+          </a:blip>
+          <a:srcRect l="32078" r="22701" b="1"/>
+          <a:stretch/>
+        </p:blipFill>
+        <p:spPr>
+          <a:xfrm>
+            <a:off x="20" y="-12128"/>
+            <a:ext cx="4654276" cy="6870127"/>
+          </a:xfrm>
+          <a:prstGeom prst="rect">
+            <a:avLst/>
+          </a:prstGeom>
+        </p:spPr>
+      </p:pic>
+      <p:cxnSp>
+        <p:nvCxnSpPr>
+          <p:cNvPr id="26" name="Straight Connector 25">
+            <a:extLst>
+              <a:ext uri="{FF2B5EF4-FFF2-40B4-BE49-F238E27FC236}">
+                <a16:creationId xmlns:a16="http://schemas.microsoft.com/office/drawing/2014/main" id="{5AB158E9-1B40-4CD6-95F0-95CA11DF7B7A}"/>
+              </a:ext>
+              <a:ext uri="{C183D7F6-B498-43B3-948B-1728B52AA6E4}">
+                <adec:decorative xmlns:adec="http://schemas.microsoft.com/office/drawing/2017/decorative" val="1"/>
+              </a:ext>
+            </a:extLst>
+          </p:cNvPr>
+          <p:cNvCxnSpPr>
+            <a:cxnSpLocks noGrp="1" noRot="1" noChangeAspect="1" noMove="1" noResize="1" noEditPoints="1" noAdjustHandles="1" noChangeArrowheads="1" noChangeShapeType="1"/>
+          </p:cNvCxnSpPr>
+          <p:nvPr>
+            <p:extLst>
+              <p:ext uri="{386F3935-93C4-4BCD-93E2-E3B085C9AB24}">
+                <p16:designElem xmlns:p16="http://schemas.microsoft.com/office/powerpoint/2015/main" val="1"/>
+              </p:ext>
+            </p:extLst>
+          </p:nvPr>
+        </p:nvCxnSpPr>
+        <p:spPr>
+          <a:xfrm>
+            <a:off x="5287617" y="2085703"/>
+            <a:ext cx="6170686" cy="0"/>
+          </a:xfrm>
+          <a:prstGeom prst="line">
+            <a:avLst/>
+          </a:prstGeom>
+          <a:ln w="6350">
+            <a:solidFill>
+              <a:schemeClr val="tx1">
+                <a:lumMod val="50000"/>
+                <a:lumOff val="50000"/>
+                <a:alpha val="90000"/>
+              </a:schemeClr>
+            </a:solidFill>
+          </a:ln>
+        </p:spPr>
+        <p:style>
+          <a:lnRef idx="1">
+            <a:schemeClr val="accent1"/>
+          </a:lnRef>
+          <a:fillRef idx="0">
+            <a:schemeClr val="accent1"/>
+          </a:fillRef>
+          <a:effectRef idx="0">
+            <a:schemeClr val="accent1"/>
+          </a:effectRef>
+          <a:fontRef idx="minor">
+            <a:schemeClr val="tx1"/>
+          </a:fontRef>
+        </p:style>
+      </p:cxnSp>
+      <p:sp>
+        <p:nvSpPr>
+          <p:cNvPr id="3" name="Espace réservé du contenu 2">
+            <a:extLst>
+              <a:ext uri="{FF2B5EF4-FFF2-40B4-BE49-F238E27FC236}">
+                <a16:creationId xmlns:a16="http://schemas.microsoft.com/office/drawing/2014/main" id="{2CFDA724-115E-41C8-B739-3240BBA3A5B7}"/>
+              </a:ext>
+            </a:extLst>
+          </p:cNvPr>
+          <p:cNvSpPr>
+            <a:spLocks noGrp="1"/>
+          </p:cNvSpPr>
+          <p:nvPr>
+            <p:ph idx="1"/>
+          </p:nvPr>
+        </p:nvSpPr>
+        <p:spPr>
+          <a:xfrm>
+            <a:off x="5181601" y="2198914"/>
+            <a:ext cx="6368142" cy="3670180"/>
+          </a:xfrm>
+        </p:spPr>
+        <p:txBody>
+          <a:bodyPr>
+            <a:normAutofit/>
+          </a:bodyPr>
+          <a:lstStyle/>
+          <a:p>
+            <a:pPr fontAlgn="base"/>
+            <a:r>
+              <a:rPr lang="fr-BE" sz="1900"/>
+              <a:t>C’est néanmoins en 2007 que le phénomène des IOT a pris de l’ampleur, avec la démocratisation des </a:t>
+            </a:r>
+            <a:r>
+              <a:rPr lang="fr-BE" sz="1900" b="1"/>
+              <a:t>Smartphones</a:t>
+            </a:r>
+            <a:r>
+              <a:rPr lang="fr-BE" sz="1900"/>
+              <a:t> et la sortie du premier </a:t>
+            </a:r>
+            <a:r>
+              <a:rPr lang="fr-BE" sz="1900" b="1"/>
+              <a:t>iPhone</a:t>
+            </a:r>
+            <a:r>
+              <a:rPr lang="fr-BE" sz="1900"/>
+              <a:t> par </a:t>
+            </a:r>
+            <a:r>
+              <a:rPr lang="fr-BE" sz="1900" b="1"/>
+              <a:t>Apple</a:t>
+            </a:r>
+            <a:r>
+              <a:rPr lang="fr-BE" sz="1900"/>
+              <a:t>. La dématérialisation est en marche.</a:t>
+            </a:r>
+          </a:p>
+          <a:p>
+            <a:pPr fontAlgn="base"/>
+            <a:r>
+              <a:rPr lang="fr-BE" sz="1900"/>
+              <a:t>Nous vivons actuellement une rupture forte, telle une </a:t>
+            </a:r>
+            <a:r>
+              <a:rPr lang="fr-BE" sz="1900" b="1"/>
+              <a:t>troisième révolution industrielle</a:t>
+            </a:r>
+            <a:r>
+              <a:rPr lang="fr-BE" sz="1900"/>
+              <a:t>. Celle nous permettant de </a:t>
+            </a:r>
+            <a:r>
+              <a:rPr lang="fr-BE" sz="1900" b="1"/>
+              <a:t>connecter Internet au moindre objet de notre quotidien</a:t>
+            </a:r>
+            <a:r>
+              <a:rPr lang="fr-BE" sz="1900"/>
+              <a:t>. Ces objets génèrent un nombre de </a:t>
+            </a:r>
+            <a:r>
+              <a:rPr lang="fr-BE" sz="1900" b="1"/>
+              <a:t>données </a:t>
+            </a:r>
+            <a:r>
+              <a:rPr lang="fr-BE" sz="1900"/>
+              <a:t>exceptionnel, dont les perspectives d’exploitation apparaissent, sur le long terme, sans limite.</a:t>
+            </a:r>
+          </a:p>
+          <a:p>
+            <a:pPr fontAlgn="base"/>
+            <a:r>
+              <a:rPr lang="fr-BE" sz="1900"/>
+              <a:t>Le sujet des </a:t>
+            </a:r>
+            <a:r>
+              <a:rPr lang="fr-BE" sz="1900" b="1"/>
+              <a:t>data</a:t>
+            </a:r>
+            <a:r>
+              <a:rPr lang="fr-BE" sz="1900"/>
+              <a:t> est donc délicat et suscite des questions éthiques de l’ordre de la préservation de la vie privée.</a:t>
+            </a:r>
+          </a:p>
+        </p:txBody>
+      </p:sp>
+    </p:spTree>
+    <p:extLst>
+      <p:ext uri="{BB962C8B-B14F-4D97-AF65-F5344CB8AC3E}">
+        <p14:creationId xmlns:p14="http://schemas.microsoft.com/office/powerpoint/2010/main" val="123558717"/>
+      </p:ext>
+    </p:extLst>
+  </p:cSld>
+  <p:clrMapOvr>
+    <a:masterClrMapping/>
+  </p:clrMapOvr>
+</p:sld>
+</file>
+
+<file path=ppt/slides/slide13.xml><?xml version="1.0" encoding="utf-8"?>
+<p:sld xmlns:a="http://schemas.openxmlformats.org/drawingml/2006/main" xmlns:r="http://schemas.openxmlformats.org/officeDocument/2006/relationships" xmlns:p="http://schemas.openxmlformats.org/presentationml/2006/main">
+  <p:cSld>
+    <p:bg>
+      <p:bgPr>
+        <a:solidFill>
+          <a:schemeClr val="bg1"/>
+        </a:solidFill>
+        <a:effectLst/>
+      </p:bgPr>
+    </p:bg>
+    <p:spTree>
+      <p:nvGrpSpPr>
+        <p:cNvPr id="1" name=""/>
+        <p:cNvGrpSpPr/>
+        <p:nvPr/>
+      </p:nvGrpSpPr>
+      <p:grpSpPr>
+        <a:xfrm>
+          <a:off x="0" y="0"/>
+          <a:ext cx="0" cy="0"/>
+          <a:chOff x="0" y="0"/>
+          <a:chExt cx="0" cy="0"/>
+        </a:xfrm>
+      </p:grpSpPr>
+      <p:sp>
+        <p:nvSpPr>
+          <p:cNvPr id="9" name="Rectangle 8">
+            <a:extLst>
+              <a:ext uri="{FF2B5EF4-FFF2-40B4-BE49-F238E27FC236}">
+                <a16:creationId xmlns:a16="http://schemas.microsoft.com/office/drawing/2014/main" id="{4E4490D0-3672-446A-AC12-B4830333BDDD}"/>
+              </a:ext>
+              <a:ext uri="{C183D7F6-B498-43B3-948B-1728B52AA6E4}">
+                <adec:decorative xmlns:adec="http://schemas.microsoft.com/office/drawing/2017/decorative" val="1"/>
+              </a:ext>
+            </a:extLst>
+          </p:cNvPr>
+          <p:cNvSpPr>
+            <a:spLocks noGrp="1" noRot="1" noChangeAspect="1" noMove="1" noResize="1" noEditPoints="1" noAdjustHandles="1" noChangeArrowheads="1" noChangeShapeType="1" noTextEdit="1"/>
+          </p:cNvSpPr>
+          <p:nvPr>
+            <p:extLst>
+              <p:ext uri="{386F3935-93C4-4BCD-93E2-E3B085C9AB24}">
+                <p16:designElem xmlns:p16="http://schemas.microsoft.com/office/powerpoint/2015/main" val="1"/>
+              </p:ext>
+            </p:extLst>
+          </p:nvPr>
+        </p:nvSpPr>
+        <p:spPr>
+          <a:xfrm>
+            <a:off x="3175" y="6400800"/>
+            <a:ext cx="12188825" cy="457200"/>
+          </a:xfrm>
+          <a:prstGeom prst="rect">
+            <a:avLst/>
+          </a:prstGeom>
+          <a:solidFill>
+            <a:schemeClr val="accent2"/>
+          </a:solidFill>
+          <a:ln>
+            <a:noFill/>
+          </a:ln>
+        </p:spPr>
+        <p:style>
+          <a:lnRef idx="2">
+            <a:schemeClr val="accent1">
+              <a:shade val="50000"/>
+            </a:schemeClr>
+          </a:lnRef>
+          <a:fillRef idx="1">
+            <a:schemeClr val="accent1"/>
+          </a:fillRef>
+          <a:effectRef idx="0">
+            <a:schemeClr val="accent1"/>
+          </a:effectRef>
+          <a:fontRef idx="minor">
+            <a:schemeClr val="lt1"/>
+          </a:fontRef>
+        </p:style>
+      </p:sp>
+      <p:sp>
+        <p:nvSpPr>
+          <p:cNvPr id="11" name="Rectangle 10">
+            <a:extLst>
+              <a:ext uri="{FF2B5EF4-FFF2-40B4-BE49-F238E27FC236}">
+                <a16:creationId xmlns:a16="http://schemas.microsoft.com/office/drawing/2014/main" id="{39CB82C2-DF65-4EC1-8280-F201D50F570B}"/>
+              </a:ext>
+              <a:ext uri="{C183D7F6-B498-43B3-948B-1728B52AA6E4}">
+                <adec:decorative xmlns:adec="http://schemas.microsoft.com/office/drawing/2017/decorative" val="1"/>
+              </a:ext>
+            </a:extLst>
+          </p:cNvPr>
+          <p:cNvSpPr>
+            <a:spLocks noGrp="1" noRot="1" noChangeAspect="1" noMove="1" noResize="1" noEditPoints="1" noAdjustHandles="1" noChangeArrowheads="1" noChangeShapeType="1" noTextEdit="1"/>
+          </p:cNvSpPr>
+          <p:nvPr>
+            <p:extLst>
+              <p:ext uri="{386F3935-93C4-4BCD-93E2-E3B085C9AB24}">
+                <p16:designElem xmlns:p16="http://schemas.microsoft.com/office/powerpoint/2015/main" val="1"/>
+              </p:ext>
+            </p:extLst>
+          </p:nvPr>
+        </p:nvSpPr>
+        <p:spPr>
+          <a:xfrm>
+            <a:off x="15" y="6334316"/>
+            <a:ext cx="12188825" cy="64008"/>
+          </a:xfrm>
+          <a:prstGeom prst="rect">
+            <a:avLst/>
+          </a:prstGeom>
+          <a:solidFill>
+            <a:schemeClr val="accent1"/>
+          </a:solidFill>
+          <a:ln>
+            <a:noFill/>
+          </a:ln>
+        </p:spPr>
+        <p:style>
+          <a:lnRef idx="2">
+            <a:schemeClr val="accent1">
+              <a:shade val="50000"/>
+            </a:schemeClr>
+          </a:lnRef>
+          <a:fillRef idx="1">
+            <a:schemeClr val="accent1"/>
+          </a:fillRef>
+          <a:effectRef idx="0">
+            <a:schemeClr val="accent1"/>
+          </a:effectRef>
+          <a:fontRef idx="minor">
+            <a:schemeClr val="lt1"/>
+          </a:fontRef>
+        </p:style>
+      </p:sp>
+      <p:cxnSp>
+        <p:nvCxnSpPr>
+          <p:cNvPr id="13" name="Straight Connector 12">
+            <a:extLst>
+              <a:ext uri="{FF2B5EF4-FFF2-40B4-BE49-F238E27FC236}">
+                <a16:creationId xmlns:a16="http://schemas.microsoft.com/office/drawing/2014/main" id="{7E1D4427-852B-4B37-8E76-0E9F1810BA2A}"/>
+              </a:ext>
+              <a:ext uri="{C183D7F6-B498-43B3-948B-1728B52AA6E4}">
+                <adec:decorative xmlns:adec="http://schemas.microsoft.com/office/drawing/2017/decorative" val="1"/>
+              </a:ext>
+            </a:extLst>
+          </p:cNvPr>
+          <p:cNvCxnSpPr>
+            <a:cxnSpLocks noGrp="1" noRot="1" noChangeAspect="1" noMove="1" noResize="1" noEditPoints="1" noAdjustHandles="1" noChangeArrowheads="1" noChangeShapeType="1"/>
+          </p:cNvCxnSpPr>
+          <p:nvPr>
+            <p:extLst>
+              <p:ext uri="{386F3935-93C4-4BCD-93E2-E3B085C9AB24}">
+                <p16:designElem xmlns:p16="http://schemas.microsoft.com/office/powerpoint/2015/main" val="1"/>
+              </p:ext>
+            </p:extLst>
+          </p:nvPr>
+        </p:nvCxnSpPr>
+        <p:spPr>
+          <a:xfrm>
+            <a:off x="1207658" y="4343400"/>
+            <a:ext cx="9875520" cy="0"/>
+          </a:xfrm>
+          <a:prstGeom prst="line">
+            <a:avLst/>
+          </a:prstGeom>
+          <a:ln w="6350">
+            <a:solidFill>
+              <a:schemeClr val="tx1">
+                <a:lumMod val="50000"/>
+                <a:lumOff val="50000"/>
+              </a:schemeClr>
+            </a:solidFill>
+          </a:ln>
+        </p:spPr>
+        <p:style>
+          <a:lnRef idx="1">
+            <a:schemeClr val="accent1"/>
+          </a:lnRef>
+          <a:fillRef idx="0">
+            <a:schemeClr val="accent1"/>
+          </a:fillRef>
+          <a:effectRef idx="0">
+            <a:schemeClr val="accent1"/>
+          </a:effectRef>
+          <a:fontRef idx="minor">
+            <a:schemeClr val="tx1"/>
+          </a:fontRef>
+        </p:style>
+      </p:cxnSp>
+      <p:sp useBgFill="1">
+        <p:nvSpPr>
+          <p:cNvPr id="15" name="Rectangle 14">
+            <a:extLst>
+              <a:ext uri="{FF2B5EF4-FFF2-40B4-BE49-F238E27FC236}">
+                <a16:creationId xmlns:a16="http://schemas.microsoft.com/office/drawing/2014/main" id="{FA4CD5CB-D209-4D70-8CA4-629731C59219}"/>
+              </a:ext>
+              <a:ext uri="{C183D7F6-B498-43B3-948B-1728B52AA6E4}">
+                <adec:decorative xmlns:adec="http://schemas.microsoft.com/office/drawing/2017/decorative" val="1"/>
+              </a:ext>
+            </a:extLst>
+          </p:cNvPr>
+          <p:cNvSpPr>
+            <a:spLocks noGrp="1" noRot="1" noChangeAspect="1" noMove="1" noResize="1" noEditPoints="1" noAdjustHandles="1" noChangeArrowheads="1" noChangeShapeType="1" noTextEdit="1"/>
+          </p:cNvSpPr>
+          <p:nvPr>
+            <p:extLst>
+              <p:ext uri="{386F3935-93C4-4BCD-93E2-E3B085C9AB24}">
+                <p16:designElem xmlns:p16="http://schemas.microsoft.com/office/powerpoint/2015/main" val="1"/>
+              </p:ext>
+            </p:extLst>
+          </p:nvPr>
+        </p:nvSpPr>
+        <p:spPr>
+          <a:xfrm>
+            <a:off x="0" y="0"/>
+            <a:ext cx="12192001" cy="6334316"/>
+          </a:xfrm>
+          <a:prstGeom prst="rect">
+            <a:avLst/>
+          </a:prstGeom>
+          <a:ln>
+            <a:noFill/>
+          </a:ln>
+        </p:spPr>
+        <p:style>
+          <a:lnRef idx="2">
+            <a:schemeClr val="accent1">
+              <a:shade val="50000"/>
+            </a:schemeClr>
+          </a:lnRef>
+          <a:fillRef idx="1">
+            <a:schemeClr val="accent1"/>
+          </a:fillRef>
+          <a:effectRef idx="0">
+            <a:schemeClr val="accent1"/>
+          </a:effectRef>
+          <a:fontRef idx="minor">
+            <a:schemeClr val="lt1"/>
+          </a:fontRef>
+        </p:style>
+        <p:txBody>
+          <a:bodyPr rtlCol="0" anchor="ctr"/>
+          <a:lstStyle/>
+          <a:p>
+            <a:pPr algn="ctr"/>
+            <a:endParaRPr lang="en-US"/>
+          </a:p>
+        </p:txBody>
+      </p:sp>
+      <p:sp>
+        <p:nvSpPr>
+          <p:cNvPr id="2" name="Titre 1">
+            <a:extLst>
+              <a:ext uri="{FF2B5EF4-FFF2-40B4-BE49-F238E27FC236}">
+                <a16:creationId xmlns:a16="http://schemas.microsoft.com/office/drawing/2014/main" id="{5EE432B8-603E-4570-A4E2-95F61653C0E8}"/>
+              </a:ext>
+            </a:extLst>
+          </p:cNvPr>
+          <p:cNvSpPr>
+            <a:spLocks noGrp="1"/>
+          </p:cNvSpPr>
+          <p:nvPr>
+            <p:ph type="title"/>
+          </p:nvPr>
+        </p:nvSpPr>
+        <p:spPr>
+          <a:xfrm>
+            <a:off x="8141110" y="639097"/>
+            <a:ext cx="3401961" cy="3686015"/>
+          </a:xfrm>
+        </p:spPr>
+        <p:txBody>
+          <a:bodyPr vert="horz" lIns="91440" tIns="45720" rIns="91440" bIns="45720" rtlCol="0" anchor="b">
+            <a:normAutofit/>
+          </a:bodyPr>
+          <a:lstStyle/>
+          <a:p>
+            <a:r>
+              <a:rPr lang="en-US" sz="4100">
+                <a:solidFill>
+                  <a:schemeClr val="tx1">
+                    <a:lumMod val="85000"/>
+                    <a:lumOff val="15000"/>
+                  </a:schemeClr>
+                </a:solidFill>
+              </a:rPr>
+              <a:t>Programmation Arduino</a:t>
+            </a:r>
+          </a:p>
+        </p:txBody>
+      </p:sp>
+      <p:pic>
+        <p:nvPicPr>
+          <p:cNvPr id="4" name="Espace réservé du contenu 3">
+            <a:extLst>
+              <a:ext uri="{FF2B5EF4-FFF2-40B4-BE49-F238E27FC236}">
+                <a16:creationId xmlns:a16="http://schemas.microsoft.com/office/drawing/2014/main" id="{6CE2BF55-9F9A-4F42-A556-55B7C1075F6E}"/>
+              </a:ext>
+            </a:extLst>
+          </p:cNvPr>
+          <p:cNvPicPr>
+            <a:picLocks noGrp="1" noChangeAspect="1"/>
+          </p:cNvPicPr>
+          <p:nvPr>
+            <p:ph idx="1"/>
+          </p:nvPr>
+        </p:nvPicPr>
+        <p:blipFill>
+          <a:blip r:embed="rId2"/>
+          <a:stretch>
+            <a:fillRect/>
+          </a:stretch>
+        </p:blipFill>
+        <p:spPr>
+          <a:xfrm>
+            <a:off x="633999" y="781957"/>
+            <a:ext cx="6912217" cy="4770403"/>
+          </a:xfrm>
+          <a:prstGeom prst="rect">
+            <a:avLst/>
+          </a:prstGeom>
+        </p:spPr>
+      </p:pic>
+      <p:cxnSp>
+        <p:nvCxnSpPr>
+          <p:cNvPr id="17" name="Straight Connector 16">
+            <a:extLst>
+              <a:ext uri="{FF2B5EF4-FFF2-40B4-BE49-F238E27FC236}">
+                <a16:creationId xmlns:a16="http://schemas.microsoft.com/office/drawing/2014/main" id="{5C6A2BAE-B461-4B55-8E1F-0722ABDD1393}"/>
+              </a:ext>
+              <a:ext uri="{C183D7F6-B498-43B3-948B-1728B52AA6E4}">
+                <adec:decorative xmlns:adec="http://schemas.microsoft.com/office/drawing/2017/decorative" val="1"/>
+              </a:ext>
+            </a:extLst>
+          </p:cNvPr>
+          <p:cNvCxnSpPr>
+            <a:cxnSpLocks noGrp="1" noRot="1" noChangeAspect="1" noMove="1" noResize="1" noEditPoints="1" noAdjustHandles="1" noChangeArrowheads="1" noChangeShapeType="1"/>
+          </p:cNvCxnSpPr>
+          <p:nvPr>
+            <p:extLst>
+              <p:ext uri="{386F3935-93C4-4BCD-93E2-E3B085C9AB24}">
+                <p16:designElem xmlns:p16="http://schemas.microsoft.com/office/powerpoint/2015/main" val="1"/>
+              </p:ext>
+            </p:extLst>
+          </p:nvPr>
+        </p:nvCxnSpPr>
+        <p:spPr>
+          <a:xfrm>
+            <a:off x="8209305" y="4343400"/>
+            <a:ext cx="3200400" cy="0"/>
+          </a:xfrm>
+          <a:prstGeom prst="line">
+            <a:avLst/>
+          </a:prstGeom>
+          <a:ln w="6350">
+            <a:solidFill>
+              <a:schemeClr val="tx2">
+                <a:alpha val="90000"/>
+              </a:schemeClr>
+            </a:solidFill>
+          </a:ln>
+        </p:spPr>
+        <p:style>
+          <a:lnRef idx="1">
+            <a:schemeClr val="accent1"/>
+          </a:lnRef>
+          <a:fillRef idx="0">
+            <a:schemeClr val="accent1"/>
+          </a:fillRef>
+          <a:effectRef idx="0">
+            <a:schemeClr val="accent1"/>
+          </a:effectRef>
+          <a:fontRef idx="minor">
+            <a:schemeClr val="tx1"/>
+          </a:fontRef>
+        </p:style>
+      </p:cxnSp>
+      <p:sp>
+        <p:nvSpPr>
+          <p:cNvPr id="19" name="Rectangle 18">
+            <a:extLst>
+              <a:ext uri="{FF2B5EF4-FFF2-40B4-BE49-F238E27FC236}">
+                <a16:creationId xmlns:a16="http://schemas.microsoft.com/office/drawing/2014/main" id="{B4C27B90-DF2B-4D00-BA07-18ED774CD2F1}"/>
+              </a:ext>
+              <a:ext uri="{C183D7F6-B498-43B3-948B-1728B52AA6E4}">
+                <adec:decorative xmlns:adec="http://schemas.microsoft.com/office/drawing/2017/decorative" val="1"/>
+              </a:ext>
+            </a:extLst>
+          </p:cNvPr>
+          <p:cNvSpPr>
+            <a:spLocks noGrp="1" noRot="1" noChangeAspect="1" noMove="1" noResize="1" noEditPoints="1" noAdjustHandles="1" noChangeArrowheads="1" noChangeShapeType="1" noTextEdit="1"/>
+          </p:cNvSpPr>
+          <p:nvPr>
+            <p:extLst>
+              <p:ext uri="{386F3935-93C4-4BCD-93E2-E3B085C9AB24}">
+                <p16:designElem xmlns:p16="http://schemas.microsoft.com/office/powerpoint/2015/main" val="1"/>
+              </p:ext>
+            </p:extLst>
+          </p:nvPr>
+        </p:nvSpPr>
+        <p:spPr>
+          <a:xfrm>
+            <a:off x="15" y="6334316"/>
+            <a:ext cx="12191985" cy="66484"/>
+          </a:xfrm>
+          <a:prstGeom prst="rect">
+            <a:avLst/>
+          </a:prstGeom>
+          <a:solidFill>
+            <a:schemeClr val="accent1"/>
+          </a:solidFill>
+          <a:ln>
+            <a:noFill/>
+          </a:ln>
+        </p:spPr>
+        <p:style>
+          <a:lnRef idx="2">
+            <a:schemeClr val="accent1">
+              <a:shade val="50000"/>
+            </a:schemeClr>
+          </a:lnRef>
+          <a:fillRef idx="1">
+            <a:schemeClr val="accent1"/>
+          </a:fillRef>
+          <a:effectRef idx="0">
+            <a:schemeClr val="accent1"/>
+          </a:effectRef>
+          <a:fontRef idx="minor">
+            <a:schemeClr val="lt1"/>
+          </a:fontRef>
+        </p:style>
+      </p:sp>
+      <p:sp>
+        <p:nvSpPr>
+          <p:cNvPr id="21" name="Rectangle 20">
+            <a:extLst>
+              <a:ext uri="{FF2B5EF4-FFF2-40B4-BE49-F238E27FC236}">
+                <a16:creationId xmlns:a16="http://schemas.microsoft.com/office/drawing/2014/main" id="{593ACC25-C262-417A-8AA9-0641C772BDB6}"/>
+              </a:ext>
+              <a:ext uri="{C183D7F6-B498-43B3-948B-1728B52AA6E4}">
+                <adec:decorative xmlns:adec="http://schemas.microsoft.com/office/drawing/2017/decorative" val="1"/>
+              </a:ext>
+            </a:extLst>
+          </p:cNvPr>
+          <p:cNvSpPr>
+            <a:spLocks noGrp="1" noRot="1" noChangeAspect="1" noMove="1" noResize="1" noEditPoints="1" noAdjustHandles="1" noChangeArrowheads="1" noChangeShapeType="1" noTextEdit="1"/>
+          </p:cNvSpPr>
+          <p:nvPr>
+            <p:extLst>
+              <p:ext uri="{386F3935-93C4-4BCD-93E2-E3B085C9AB24}">
+                <p16:designElem xmlns:p16="http://schemas.microsoft.com/office/powerpoint/2015/main" val="1"/>
+              </p:ext>
+            </p:extLst>
+          </p:nvPr>
+        </p:nvSpPr>
+        <p:spPr>
+          <a:xfrm>
+            <a:off x="1" y="6400800"/>
+            <a:ext cx="12192000" cy="457200"/>
+          </a:xfrm>
+          <a:prstGeom prst="rect">
+            <a:avLst/>
+          </a:prstGeom>
+          <a:solidFill>
+            <a:schemeClr val="accent2"/>
+          </a:solidFill>
+          <a:ln>
+            <a:noFill/>
+          </a:ln>
+        </p:spPr>
+        <p:style>
+          <a:lnRef idx="2">
+            <a:schemeClr val="accent1">
+              <a:shade val="50000"/>
+            </a:schemeClr>
+          </a:lnRef>
+          <a:fillRef idx="1">
+            <a:schemeClr val="accent1"/>
+          </a:fillRef>
+          <a:effectRef idx="0">
+            <a:schemeClr val="accent1"/>
+          </a:effectRef>
+          <a:fontRef idx="minor">
+            <a:schemeClr val="lt1"/>
+          </a:fontRef>
+        </p:style>
+      </p:sp>
+    </p:spTree>
+    <p:extLst>
+      <p:ext uri="{BB962C8B-B14F-4D97-AF65-F5344CB8AC3E}">
+        <p14:creationId xmlns:p14="http://schemas.microsoft.com/office/powerpoint/2010/main" val="569927253"/>
+      </p:ext>
+    </p:extLst>
+  </p:cSld>
+  <p:clrMapOvr>
+    <a:masterClrMapping/>
+  </p:clrMapOvr>
+</p:sld>
+</file>
+
+<file path=ppt/slides/slide14.xml><?xml version="1.0" encoding="utf-8"?>
+<p:sld xmlns:a="http://schemas.openxmlformats.org/drawingml/2006/main" xmlns:r="http://schemas.openxmlformats.org/officeDocument/2006/relationships" xmlns:p="http://schemas.openxmlformats.org/presentationml/2006/main">
+  <p:cSld>
+    <p:spTree>
+      <p:nvGrpSpPr>
+        <p:cNvPr id="1" name=""/>
+        <p:cNvGrpSpPr/>
+        <p:nvPr/>
+      </p:nvGrpSpPr>
+      <p:grpSpPr>
+        <a:xfrm>
+          <a:off x="0" y="0"/>
+          <a:ext cx="0" cy="0"/>
+          <a:chOff x="0" y="0"/>
+          <a:chExt cx="0" cy="0"/>
+        </a:xfrm>
+      </p:grpSpPr>
+      <p:sp>
+        <p:nvSpPr>
+          <p:cNvPr id="2" name="Titre 1">
+            <a:extLst>
+              <a:ext uri="{FF2B5EF4-FFF2-40B4-BE49-F238E27FC236}">
+                <a16:creationId xmlns:a16="http://schemas.microsoft.com/office/drawing/2014/main" id="{250B2E1E-1DD7-4278-94BA-E7473FE950F5}"/>
+              </a:ext>
+            </a:extLst>
+          </p:cNvPr>
+          <p:cNvSpPr>
+            <a:spLocks noGrp="1"/>
+          </p:cNvSpPr>
+          <p:nvPr>
+            <p:ph type="title"/>
+          </p:nvPr>
+        </p:nvSpPr>
+        <p:spPr/>
+        <p:txBody>
+          <a:bodyPr/>
+          <a:lstStyle/>
+          <a:p>
+            <a:r>
+              <a:rPr lang="fr-BE" dirty="0"/>
+              <a:t>Programmation C pour Arduino</a:t>
+            </a:r>
+          </a:p>
+        </p:txBody>
+      </p:sp>
+      <p:sp>
+        <p:nvSpPr>
+          <p:cNvPr id="3" name="Espace réservé du contenu 2">
+            <a:extLst>
+              <a:ext uri="{FF2B5EF4-FFF2-40B4-BE49-F238E27FC236}">
+                <a16:creationId xmlns:a16="http://schemas.microsoft.com/office/drawing/2014/main" id="{724EA250-4B12-4B49-8162-918ECC5D6D3E}"/>
+              </a:ext>
+            </a:extLst>
+          </p:cNvPr>
+          <p:cNvSpPr>
+            <a:spLocks noGrp="1"/>
+          </p:cNvSpPr>
+          <p:nvPr>
+            <p:ph idx="1"/>
+          </p:nvPr>
+        </p:nvSpPr>
+        <p:spPr/>
+        <p:txBody>
+          <a:bodyPr/>
+          <a:lstStyle/>
+          <a:p>
+            <a:r>
+              <a:rPr lang="fr-BE" dirty="0"/>
+              <a:t>Code == texte</a:t>
+            </a:r>
+          </a:p>
+          <a:p>
+            <a:r>
+              <a:rPr lang="fr-BE" dirty="0"/>
+              <a:t>Exécution ligne par ligne</a:t>
+            </a:r>
+          </a:p>
+          <a:p>
+            <a:r>
+              <a:rPr lang="fr-BE" dirty="0"/>
+              <a:t>// Commentaire</a:t>
+            </a:r>
+          </a:p>
+        </p:txBody>
+      </p:sp>
+    </p:spTree>
+    <p:extLst>
+      <p:ext uri="{BB962C8B-B14F-4D97-AF65-F5344CB8AC3E}">
+        <p14:creationId xmlns:p14="http://schemas.microsoft.com/office/powerpoint/2010/main" val="1956711090"/>
+      </p:ext>
+    </p:extLst>
+  </p:cSld>
+  <p:clrMapOvr>
+    <a:masterClrMapping/>
+  </p:clrMapOvr>
+</p:sld>
+</file>
+
+<file path=ppt/slides/slide15.xml><?xml version="1.0" encoding="utf-8"?>
+<p:sld xmlns:a="http://schemas.openxmlformats.org/drawingml/2006/main" xmlns:r="http://schemas.openxmlformats.org/officeDocument/2006/relationships" xmlns:p="http://schemas.openxmlformats.org/presentationml/2006/main">
+  <p:cSld>
+    <p:spTree>
+      <p:nvGrpSpPr>
+        <p:cNvPr id="1" name=""/>
+        <p:cNvGrpSpPr/>
+        <p:nvPr/>
+      </p:nvGrpSpPr>
+      <p:grpSpPr>
+        <a:xfrm>
+          <a:off x="0" y="0"/>
+          <a:ext cx="0" cy="0"/>
+          <a:chOff x="0" y="0"/>
+          <a:chExt cx="0" cy="0"/>
+        </a:xfrm>
+      </p:grpSpPr>
+      <p:sp>
+        <p:nvSpPr>
+          <p:cNvPr id="2" name="Titre 1">
+            <a:extLst>
+              <a:ext uri="{FF2B5EF4-FFF2-40B4-BE49-F238E27FC236}">
+                <a16:creationId xmlns:a16="http://schemas.microsoft.com/office/drawing/2014/main" id="{096FE5B9-D53C-4F14-A8ED-ED3ACB860BB3}"/>
+              </a:ext>
+            </a:extLst>
+          </p:cNvPr>
+          <p:cNvSpPr>
+            <a:spLocks noGrp="1"/>
+          </p:cNvSpPr>
+          <p:nvPr>
+            <p:ph type="title"/>
+          </p:nvPr>
+        </p:nvSpPr>
+        <p:spPr/>
+        <p:txBody>
+          <a:bodyPr/>
+          <a:lstStyle/>
+          <a:p>
+            <a:r>
+              <a:rPr lang="fr-BE" dirty="0"/>
+              <a:t>Variable</a:t>
+            </a:r>
+          </a:p>
+        </p:txBody>
+      </p:sp>
+      <p:sp>
+        <p:nvSpPr>
+          <p:cNvPr id="3" name="Espace réservé du contenu 2">
+            <a:extLst>
+              <a:ext uri="{FF2B5EF4-FFF2-40B4-BE49-F238E27FC236}">
+                <a16:creationId xmlns:a16="http://schemas.microsoft.com/office/drawing/2014/main" id="{4799FC85-C751-462C-8559-085920877889}"/>
+              </a:ext>
+            </a:extLst>
+          </p:cNvPr>
+          <p:cNvSpPr>
+            <a:spLocks noGrp="1"/>
+          </p:cNvSpPr>
+          <p:nvPr>
+            <p:ph idx="1"/>
+          </p:nvPr>
+        </p:nvSpPr>
+        <p:spPr/>
+        <p:txBody>
+          <a:bodyPr/>
+          <a:lstStyle/>
+          <a:p>
+            <a:r>
+              <a:rPr lang="fr-BE" dirty="0"/>
+              <a:t>Un type</a:t>
+            </a:r>
+          </a:p>
+          <a:p>
+            <a:pPr lvl="1"/>
+            <a:r>
+              <a:rPr lang="fr-BE" dirty="0" err="1"/>
+              <a:t>int</a:t>
+            </a:r>
+            <a:endParaRPr lang="fr-BE" dirty="0"/>
+          </a:p>
+          <a:p>
+            <a:pPr lvl="1"/>
+            <a:r>
+              <a:rPr lang="fr-BE" dirty="0" err="1"/>
+              <a:t>float</a:t>
+            </a:r>
+            <a:endParaRPr lang="fr-BE" dirty="0"/>
+          </a:p>
+          <a:p>
+            <a:pPr lvl="1"/>
+            <a:r>
+              <a:rPr lang="fr-BE" dirty="0"/>
+              <a:t>char[]</a:t>
+            </a:r>
+          </a:p>
+          <a:p>
+            <a:r>
+              <a:rPr lang="fr-BE" dirty="0"/>
+              <a:t>Un nom</a:t>
+            </a:r>
+          </a:p>
+          <a:p>
+            <a:r>
+              <a:rPr lang="fr-BE" dirty="0"/>
+              <a:t>Une valeur de départ compatible avec le type (optionnel)</a:t>
+            </a:r>
+          </a:p>
+        </p:txBody>
+      </p:sp>
+      <p:sp>
+        <p:nvSpPr>
+          <p:cNvPr id="5" name="ZoneTexte 4">
+            <a:extLst>
+              <a:ext uri="{FF2B5EF4-FFF2-40B4-BE49-F238E27FC236}">
+                <a16:creationId xmlns:a16="http://schemas.microsoft.com/office/drawing/2014/main" id="{9A4BA2E5-C107-4C83-8D82-4312B3B4E626}"/>
+              </a:ext>
+            </a:extLst>
+          </p:cNvPr>
+          <p:cNvSpPr txBox="1"/>
+          <p:nvPr/>
+        </p:nvSpPr>
+        <p:spPr>
+          <a:xfrm>
+            <a:off x="6611608" y="1954673"/>
+            <a:ext cx="2821315" cy="369332"/>
+          </a:xfrm>
+          <a:prstGeom prst="rect">
+            <a:avLst/>
+          </a:prstGeom>
+          <a:noFill/>
+        </p:spPr>
+        <p:txBody>
+          <a:bodyPr wrap="square" rtlCol="0">
+            <a:spAutoFit/>
+          </a:bodyPr>
+          <a:lstStyle/>
+          <a:p>
+            <a:r>
+              <a:rPr lang="fr-BE" dirty="0" err="1">
+                <a:solidFill>
+                  <a:schemeClr val="accent2"/>
+                </a:solidFill>
+                <a:latin typeface="Consolas" panose="020B0609020204030204" pitchFamily="49" charset="0"/>
+              </a:rPr>
+              <a:t>int</a:t>
+            </a:r>
+            <a:r>
+              <a:rPr lang="fr-BE" dirty="0">
+                <a:solidFill>
+                  <a:schemeClr val="accent2"/>
+                </a:solidFill>
+                <a:latin typeface="Consolas" panose="020B0609020204030204" pitchFamily="49" charset="0"/>
+              </a:rPr>
+              <a:t> pin = 13;</a:t>
+            </a:r>
+          </a:p>
+        </p:txBody>
+      </p:sp>
+    </p:spTree>
+    <p:extLst>
+      <p:ext uri="{BB962C8B-B14F-4D97-AF65-F5344CB8AC3E}">
+        <p14:creationId xmlns:p14="http://schemas.microsoft.com/office/powerpoint/2010/main" val="3208943345"/>
+      </p:ext>
+    </p:extLst>
+  </p:cSld>
+  <p:clrMapOvr>
+    <a:masterClrMapping/>
+  </p:clrMapOvr>
+</p:sld>
+</file>
+
+<file path=ppt/slides/slide16.xml><?xml version="1.0" encoding="utf-8"?>
+<p:sld xmlns:a="http://schemas.openxmlformats.org/drawingml/2006/main" xmlns:r="http://schemas.openxmlformats.org/officeDocument/2006/relationships" xmlns:p="http://schemas.openxmlformats.org/presentationml/2006/main">
+  <p:cSld>
+    <p:spTree>
+      <p:nvGrpSpPr>
+        <p:cNvPr id="1" name=""/>
+        <p:cNvGrpSpPr/>
+        <p:nvPr/>
+      </p:nvGrpSpPr>
+      <p:grpSpPr>
+        <a:xfrm>
+          <a:off x="0" y="0"/>
+          <a:ext cx="0" cy="0"/>
+          <a:chOff x="0" y="0"/>
+          <a:chExt cx="0" cy="0"/>
+        </a:xfrm>
+      </p:grpSpPr>
+      <p:sp>
+        <p:nvSpPr>
+          <p:cNvPr id="2" name="Titre 1">
+            <a:extLst>
+              <a:ext uri="{FF2B5EF4-FFF2-40B4-BE49-F238E27FC236}">
+                <a16:creationId xmlns:a16="http://schemas.microsoft.com/office/drawing/2014/main" id="{0A4C8C23-4A63-4DC5-AE39-4A507DE6A472}"/>
+              </a:ext>
+            </a:extLst>
+          </p:cNvPr>
+          <p:cNvSpPr>
+            <a:spLocks noGrp="1"/>
+          </p:cNvSpPr>
+          <p:nvPr>
+            <p:ph type="title"/>
+          </p:nvPr>
+        </p:nvSpPr>
+        <p:spPr/>
+        <p:txBody>
+          <a:bodyPr/>
+          <a:lstStyle/>
+          <a:p>
+            <a:r>
+              <a:rPr lang="fr-BE" dirty="0"/>
+              <a:t>Fonctions</a:t>
+            </a:r>
+          </a:p>
+        </p:txBody>
+      </p:sp>
+      <p:sp>
+        <p:nvSpPr>
+          <p:cNvPr id="3" name="Espace réservé du contenu 2">
+            <a:extLst>
+              <a:ext uri="{FF2B5EF4-FFF2-40B4-BE49-F238E27FC236}">
+                <a16:creationId xmlns:a16="http://schemas.microsoft.com/office/drawing/2014/main" id="{6767C61A-839D-4A0A-9B98-AB78BA573143}"/>
+              </a:ext>
+            </a:extLst>
+          </p:cNvPr>
+          <p:cNvSpPr>
+            <a:spLocks noGrp="1"/>
+          </p:cNvSpPr>
+          <p:nvPr>
+            <p:ph sz="half" idx="1"/>
+          </p:nvPr>
+        </p:nvSpPr>
+        <p:spPr/>
+        <p:txBody>
+          <a:bodyPr>
+            <a:normAutofit fontScale="85000" lnSpcReduction="10000"/>
+          </a:bodyPr>
+          <a:lstStyle/>
+          <a:p>
+            <a:r>
+              <a:rPr lang="fr-BE" dirty="0"/>
+              <a:t>Un nom</a:t>
+            </a:r>
+          </a:p>
+          <a:p>
+            <a:r>
+              <a:rPr lang="fr-BE" dirty="0"/>
+              <a:t>Des paramètres avec un type et un nom (optionnel)</a:t>
+            </a:r>
+          </a:p>
+          <a:p>
+            <a:r>
+              <a:rPr lang="fr-BE" dirty="0"/>
+              <a:t>Un type de retour</a:t>
+            </a:r>
+          </a:p>
+          <a:p>
+            <a:r>
+              <a:rPr lang="fr-BE" dirty="0"/>
+              <a:t>Un code d’implémentation</a:t>
+            </a:r>
+          </a:p>
+        </p:txBody>
+      </p:sp>
+      <p:sp>
+        <p:nvSpPr>
+          <p:cNvPr id="9" name="Espace réservé du contenu 8">
+            <a:extLst>
+              <a:ext uri="{FF2B5EF4-FFF2-40B4-BE49-F238E27FC236}">
+                <a16:creationId xmlns:a16="http://schemas.microsoft.com/office/drawing/2014/main" id="{04DC5F5F-BD5D-4C55-BC73-651DBB90EF06}"/>
+              </a:ext>
+            </a:extLst>
+          </p:cNvPr>
+          <p:cNvSpPr>
+            <a:spLocks noGrp="1"/>
+          </p:cNvSpPr>
+          <p:nvPr>
+            <p:ph sz="half" idx="2"/>
+          </p:nvPr>
+        </p:nvSpPr>
+        <p:spPr/>
+        <p:txBody>
+          <a:bodyPr>
+            <a:normAutofit fontScale="85000" lnSpcReduction="10000"/>
+          </a:bodyPr>
+          <a:lstStyle/>
+          <a:p>
+            <a:pPr marL="0" lvl="0" indent="0" defTabSz="457200">
+              <a:lnSpc>
+                <a:spcPct val="100000"/>
+              </a:lnSpc>
+              <a:spcBef>
+                <a:spcPts val="0"/>
+              </a:spcBef>
+              <a:spcAft>
+                <a:spcPts val="0"/>
+              </a:spcAft>
+              <a:buClrTx/>
+              <a:buSzTx/>
+              <a:buNone/>
+            </a:pPr>
+            <a:r>
+              <a:rPr lang="fr-BE" sz="1800" dirty="0" err="1">
+                <a:solidFill>
+                  <a:schemeClr val="tx2"/>
+                </a:solidFill>
+                <a:latin typeface="Consolas" panose="020B0609020204030204" pitchFamily="49" charset="0"/>
+              </a:rPr>
+              <a:t>void</a:t>
+            </a:r>
+            <a:r>
+              <a:rPr lang="fr-BE" sz="1800" dirty="0">
+                <a:solidFill>
+                  <a:schemeClr val="tx2"/>
+                </a:solidFill>
+                <a:latin typeface="Consolas" panose="020B0609020204030204" pitchFamily="49" charset="0"/>
+              </a:rPr>
+              <a:t> setup(){</a:t>
+            </a:r>
+          </a:p>
+          <a:p>
+            <a:pPr marL="0" lvl="0" indent="0" defTabSz="457200">
+              <a:lnSpc>
+                <a:spcPct val="100000"/>
+              </a:lnSpc>
+              <a:spcBef>
+                <a:spcPts val="0"/>
+              </a:spcBef>
+              <a:spcAft>
+                <a:spcPts val="0"/>
+              </a:spcAft>
+              <a:buClrTx/>
+              <a:buSzTx/>
+              <a:buNone/>
+            </a:pPr>
+            <a:r>
+              <a:rPr lang="fr-BE" sz="1800" dirty="0">
+                <a:solidFill>
+                  <a:schemeClr val="tx2"/>
+                </a:solidFill>
+                <a:latin typeface="Consolas" panose="020B0609020204030204" pitchFamily="49" charset="0"/>
+              </a:rPr>
+              <a:t>  </a:t>
+            </a:r>
+            <a:r>
+              <a:rPr lang="fr-BE" sz="1800" dirty="0" err="1">
+                <a:solidFill>
+                  <a:schemeClr val="tx2"/>
+                </a:solidFill>
+                <a:latin typeface="Consolas" panose="020B0609020204030204" pitchFamily="49" charset="0"/>
+              </a:rPr>
+              <a:t>Serial.begin</a:t>
+            </a:r>
+            <a:r>
+              <a:rPr lang="fr-BE" sz="1800" dirty="0">
+                <a:solidFill>
+                  <a:schemeClr val="tx2"/>
+                </a:solidFill>
+                <a:latin typeface="Consolas" panose="020B0609020204030204" pitchFamily="49" charset="0"/>
+              </a:rPr>
+              <a:t>(9600);</a:t>
+            </a:r>
+          </a:p>
+          <a:p>
+            <a:pPr marL="0" lvl="0" indent="0" defTabSz="457200">
+              <a:lnSpc>
+                <a:spcPct val="100000"/>
+              </a:lnSpc>
+              <a:spcBef>
+                <a:spcPts val="0"/>
+              </a:spcBef>
+              <a:spcAft>
+                <a:spcPts val="0"/>
+              </a:spcAft>
+              <a:buClrTx/>
+              <a:buSzTx/>
+              <a:buNone/>
+            </a:pPr>
+            <a:r>
+              <a:rPr lang="fr-BE" sz="1800" dirty="0">
+                <a:solidFill>
+                  <a:schemeClr val="tx2"/>
+                </a:solidFill>
+                <a:latin typeface="Consolas" panose="020B0609020204030204" pitchFamily="49" charset="0"/>
+              </a:rPr>
+              <a:t>}</a:t>
+            </a:r>
+          </a:p>
+          <a:p>
+            <a:pPr marL="0" lvl="0" indent="0" defTabSz="457200">
+              <a:lnSpc>
+                <a:spcPct val="100000"/>
+              </a:lnSpc>
+              <a:spcBef>
+                <a:spcPts val="0"/>
+              </a:spcBef>
+              <a:spcAft>
+                <a:spcPts val="0"/>
+              </a:spcAft>
+              <a:buClrTx/>
+              <a:buSzTx/>
+              <a:buNone/>
+            </a:pPr>
+            <a:endParaRPr lang="fr-BE" sz="1800" dirty="0">
+              <a:solidFill>
+                <a:schemeClr val="tx2"/>
+              </a:solidFill>
+              <a:latin typeface="Consolas" panose="020B0609020204030204" pitchFamily="49" charset="0"/>
+            </a:endParaRPr>
+          </a:p>
+          <a:p>
+            <a:pPr marL="0" lvl="0" indent="0" defTabSz="457200">
+              <a:lnSpc>
+                <a:spcPct val="100000"/>
+              </a:lnSpc>
+              <a:spcBef>
+                <a:spcPts val="0"/>
+              </a:spcBef>
+              <a:spcAft>
+                <a:spcPts val="0"/>
+              </a:spcAft>
+              <a:buClrTx/>
+              <a:buSzTx/>
+              <a:buNone/>
+            </a:pPr>
+            <a:r>
+              <a:rPr lang="fr-BE" sz="1800" dirty="0" err="1">
+                <a:solidFill>
+                  <a:schemeClr val="tx2"/>
+                </a:solidFill>
+                <a:latin typeface="Consolas" panose="020B0609020204030204" pitchFamily="49" charset="0"/>
+              </a:rPr>
+              <a:t>void</a:t>
+            </a:r>
+            <a:r>
+              <a:rPr lang="fr-BE" sz="1800" dirty="0">
+                <a:solidFill>
+                  <a:schemeClr val="tx2"/>
+                </a:solidFill>
+                <a:latin typeface="Consolas" panose="020B0609020204030204" pitchFamily="49" charset="0"/>
+              </a:rPr>
+              <a:t> </a:t>
+            </a:r>
+            <a:r>
+              <a:rPr lang="fr-BE" sz="1800" dirty="0" err="1">
+                <a:solidFill>
+                  <a:schemeClr val="tx2"/>
+                </a:solidFill>
+                <a:latin typeface="Consolas" panose="020B0609020204030204" pitchFamily="49" charset="0"/>
+              </a:rPr>
+              <a:t>loop</a:t>
+            </a:r>
+            <a:r>
+              <a:rPr lang="fr-BE" sz="1800" dirty="0">
+                <a:solidFill>
+                  <a:schemeClr val="tx2"/>
+                </a:solidFill>
+                <a:latin typeface="Consolas" panose="020B0609020204030204" pitchFamily="49" charset="0"/>
+              </a:rPr>
+              <a:t>() {</a:t>
+            </a:r>
+          </a:p>
+          <a:p>
+            <a:pPr marL="0" lvl="0" indent="0" defTabSz="457200">
+              <a:lnSpc>
+                <a:spcPct val="100000"/>
+              </a:lnSpc>
+              <a:spcBef>
+                <a:spcPts val="0"/>
+              </a:spcBef>
+              <a:spcAft>
+                <a:spcPts val="0"/>
+              </a:spcAft>
+              <a:buClrTx/>
+              <a:buSzTx/>
+              <a:buNone/>
+            </a:pPr>
+            <a:r>
+              <a:rPr lang="fr-BE" sz="1800" dirty="0">
+                <a:solidFill>
+                  <a:schemeClr val="tx2"/>
+                </a:solidFill>
+                <a:latin typeface="Consolas" panose="020B0609020204030204" pitchFamily="49" charset="0"/>
+              </a:rPr>
+              <a:t>  </a:t>
+            </a:r>
+            <a:r>
+              <a:rPr lang="fr-BE" sz="1800" dirty="0" err="1">
+                <a:solidFill>
+                  <a:schemeClr val="tx2"/>
+                </a:solidFill>
+                <a:latin typeface="Consolas" panose="020B0609020204030204" pitchFamily="49" charset="0"/>
+              </a:rPr>
+              <a:t>int</a:t>
+            </a:r>
+            <a:r>
+              <a:rPr lang="fr-BE" sz="1800" dirty="0">
+                <a:solidFill>
+                  <a:schemeClr val="tx2"/>
+                </a:solidFill>
+                <a:latin typeface="Consolas" panose="020B0609020204030204" pitchFamily="49" charset="0"/>
+              </a:rPr>
+              <a:t> i = 2;</a:t>
+            </a:r>
+          </a:p>
+          <a:p>
+            <a:pPr marL="0" lvl="0" indent="0" defTabSz="457200">
+              <a:lnSpc>
+                <a:spcPct val="100000"/>
+              </a:lnSpc>
+              <a:spcBef>
+                <a:spcPts val="0"/>
+              </a:spcBef>
+              <a:spcAft>
+                <a:spcPts val="0"/>
+              </a:spcAft>
+              <a:buClrTx/>
+              <a:buSzTx/>
+              <a:buNone/>
+            </a:pPr>
+            <a:r>
+              <a:rPr lang="fr-BE" sz="1800" dirty="0">
+                <a:solidFill>
+                  <a:schemeClr val="tx2"/>
+                </a:solidFill>
+                <a:latin typeface="Consolas" panose="020B0609020204030204" pitchFamily="49" charset="0"/>
+              </a:rPr>
+              <a:t>  </a:t>
+            </a:r>
+            <a:r>
+              <a:rPr lang="fr-BE" sz="1800" dirty="0" err="1">
+                <a:solidFill>
+                  <a:schemeClr val="tx2"/>
+                </a:solidFill>
+                <a:latin typeface="Consolas" panose="020B0609020204030204" pitchFamily="49" charset="0"/>
+              </a:rPr>
+              <a:t>int</a:t>
+            </a:r>
+            <a:r>
+              <a:rPr lang="fr-BE" sz="1800" dirty="0">
+                <a:solidFill>
+                  <a:schemeClr val="tx2"/>
+                </a:solidFill>
+                <a:latin typeface="Consolas" panose="020B0609020204030204" pitchFamily="49" charset="0"/>
+              </a:rPr>
+              <a:t> j = 3;</a:t>
+            </a:r>
+          </a:p>
+          <a:p>
+            <a:pPr marL="0" lvl="0" indent="0" defTabSz="457200">
+              <a:lnSpc>
+                <a:spcPct val="100000"/>
+              </a:lnSpc>
+              <a:spcBef>
+                <a:spcPts val="0"/>
+              </a:spcBef>
+              <a:spcAft>
+                <a:spcPts val="0"/>
+              </a:spcAft>
+              <a:buClrTx/>
+              <a:buSzTx/>
+              <a:buNone/>
+            </a:pPr>
+            <a:r>
+              <a:rPr lang="fr-BE" sz="1800" dirty="0">
+                <a:solidFill>
+                  <a:schemeClr val="tx2"/>
+                </a:solidFill>
+                <a:latin typeface="Consolas" panose="020B0609020204030204" pitchFamily="49" charset="0"/>
+              </a:rPr>
+              <a:t>  </a:t>
+            </a:r>
+            <a:r>
+              <a:rPr lang="fr-BE" sz="1800" dirty="0" err="1">
+                <a:solidFill>
+                  <a:schemeClr val="tx2"/>
+                </a:solidFill>
+                <a:latin typeface="Consolas" panose="020B0609020204030204" pitchFamily="49" charset="0"/>
+              </a:rPr>
+              <a:t>int</a:t>
+            </a:r>
+            <a:r>
+              <a:rPr lang="fr-BE" sz="1800" dirty="0">
+                <a:solidFill>
+                  <a:schemeClr val="tx2"/>
+                </a:solidFill>
+                <a:latin typeface="Consolas" panose="020B0609020204030204" pitchFamily="49" charset="0"/>
+              </a:rPr>
+              <a:t> k;</a:t>
+            </a:r>
+          </a:p>
+          <a:p>
+            <a:pPr marL="0" lvl="0" indent="0" defTabSz="457200">
+              <a:lnSpc>
+                <a:spcPct val="100000"/>
+              </a:lnSpc>
+              <a:spcBef>
+                <a:spcPts val="0"/>
+              </a:spcBef>
+              <a:spcAft>
+                <a:spcPts val="0"/>
+              </a:spcAft>
+              <a:buClrTx/>
+              <a:buSzTx/>
+              <a:buNone/>
+            </a:pPr>
+            <a:endParaRPr lang="fr-BE" sz="1800" dirty="0">
+              <a:solidFill>
+                <a:schemeClr val="tx2"/>
+              </a:solidFill>
+              <a:latin typeface="Consolas" panose="020B0609020204030204" pitchFamily="49" charset="0"/>
+            </a:endParaRPr>
+          </a:p>
+          <a:p>
+            <a:pPr marL="0" lvl="0" indent="0" defTabSz="457200">
+              <a:lnSpc>
+                <a:spcPct val="100000"/>
+              </a:lnSpc>
+              <a:spcBef>
+                <a:spcPts val="0"/>
+              </a:spcBef>
+              <a:spcAft>
+                <a:spcPts val="0"/>
+              </a:spcAft>
+              <a:buClrTx/>
+              <a:buSzTx/>
+              <a:buNone/>
+            </a:pPr>
+            <a:r>
+              <a:rPr lang="fr-BE" sz="1800" dirty="0">
+                <a:solidFill>
+                  <a:schemeClr val="tx2"/>
+                </a:solidFill>
+                <a:latin typeface="Consolas" panose="020B0609020204030204" pitchFamily="49" charset="0"/>
+              </a:rPr>
+              <a:t>  k = </a:t>
+            </a:r>
+            <a:r>
+              <a:rPr lang="fr-BE" sz="1800" dirty="0" err="1">
+                <a:solidFill>
+                  <a:schemeClr val="accent2"/>
+                </a:solidFill>
+                <a:latin typeface="Consolas" panose="020B0609020204030204" pitchFamily="49" charset="0"/>
+              </a:rPr>
+              <a:t>myMultiplyFunction</a:t>
+            </a:r>
+            <a:r>
+              <a:rPr lang="fr-BE" sz="1800" dirty="0">
+                <a:solidFill>
+                  <a:schemeClr val="accent2"/>
+                </a:solidFill>
+                <a:latin typeface="Consolas" panose="020B0609020204030204" pitchFamily="49" charset="0"/>
+              </a:rPr>
+              <a:t>(i, j)</a:t>
+            </a:r>
+            <a:r>
+              <a:rPr lang="fr-BE" sz="1800" dirty="0">
+                <a:solidFill>
+                  <a:schemeClr val="tx2"/>
+                </a:solidFill>
+                <a:latin typeface="Consolas" panose="020B0609020204030204" pitchFamily="49" charset="0"/>
+              </a:rPr>
+              <a:t>;</a:t>
+            </a:r>
+          </a:p>
+          <a:p>
+            <a:pPr marL="0" lvl="0" indent="0" defTabSz="457200">
+              <a:lnSpc>
+                <a:spcPct val="100000"/>
+              </a:lnSpc>
+              <a:spcBef>
+                <a:spcPts val="0"/>
+              </a:spcBef>
+              <a:spcAft>
+                <a:spcPts val="0"/>
+              </a:spcAft>
+              <a:buClrTx/>
+              <a:buSzTx/>
+              <a:buNone/>
+            </a:pPr>
+            <a:r>
+              <a:rPr lang="fr-BE" sz="1800" dirty="0">
+                <a:solidFill>
+                  <a:schemeClr val="tx2"/>
+                </a:solidFill>
+                <a:latin typeface="Consolas" panose="020B0609020204030204" pitchFamily="49" charset="0"/>
+              </a:rPr>
+              <a:t>  </a:t>
+            </a:r>
+            <a:r>
+              <a:rPr lang="fr-BE" sz="1800" dirty="0" err="1">
+                <a:solidFill>
+                  <a:schemeClr val="tx2"/>
+                </a:solidFill>
+                <a:latin typeface="Consolas" panose="020B0609020204030204" pitchFamily="49" charset="0"/>
+              </a:rPr>
+              <a:t>Serial.println</a:t>
+            </a:r>
+            <a:r>
+              <a:rPr lang="fr-BE" sz="1800" dirty="0">
+                <a:solidFill>
+                  <a:schemeClr val="tx2"/>
+                </a:solidFill>
+                <a:latin typeface="Consolas" panose="020B0609020204030204" pitchFamily="49" charset="0"/>
+              </a:rPr>
+              <a:t>(k);</a:t>
+            </a:r>
+          </a:p>
+          <a:p>
+            <a:pPr marL="0" lvl="0" indent="0" defTabSz="457200">
+              <a:lnSpc>
+                <a:spcPct val="100000"/>
+              </a:lnSpc>
+              <a:spcBef>
+                <a:spcPts val="0"/>
+              </a:spcBef>
+              <a:spcAft>
+                <a:spcPts val="0"/>
+              </a:spcAft>
+              <a:buClrTx/>
+              <a:buSzTx/>
+              <a:buNone/>
+            </a:pPr>
+            <a:r>
+              <a:rPr lang="fr-BE" sz="1800" dirty="0">
+                <a:solidFill>
+                  <a:schemeClr val="tx2"/>
+                </a:solidFill>
+                <a:latin typeface="Consolas" panose="020B0609020204030204" pitchFamily="49" charset="0"/>
+              </a:rPr>
+              <a:t>  </a:t>
+            </a:r>
+            <a:r>
+              <a:rPr lang="fr-BE" sz="1800" dirty="0" err="1">
+                <a:solidFill>
+                  <a:schemeClr val="tx2"/>
+                </a:solidFill>
+                <a:latin typeface="Consolas" panose="020B0609020204030204" pitchFamily="49" charset="0"/>
+              </a:rPr>
+              <a:t>delay</a:t>
+            </a:r>
+            <a:r>
+              <a:rPr lang="fr-BE" sz="1800" dirty="0">
+                <a:solidFill>
+                  <a:schemeClr val="tx2"/>
+                </a:solidFill>
+                <a:latin typeface="Consolas" panose="020B0609020204030204" pitchFamily="49" charset="0"/>
+              </a:rPr>
+              <a:t>(500);</a:t>
+            </a:r>
+          </a:p>
+          <a:p>
+            <a:pPr marL="0" lvl="0" indent="0" defTabSz="457200">
+              <a:lnSpc>
+                <a:spcPct val="100000"/>
+              </a:lnSpc>
+              <a:spcBef>
+                <a:spcPts val="0"/>
+              </a:spcBef>
+              <a:spcAft>
+                <a:spcPts val="0"/>
+              </a:spcAft>
+              <a:buClrTx/>
+              <a:buSzTx/>
+              <a:buNone/>
+            </a:pPr>
+            <a:r>
+              <a:rPr lang="fr-BE" sz="1800" dirty="0">
+                <a:solidFill>
+                  <a:schemeClr val="tx2"/>
+                </a:solidFill>
+                <a:latin typeface="Consolas" panose="020B0609020204030204" pitchFamily="49" charset="0"/>
+              </a:rPr>
+              <a:t>}</a:t>
+            </a:r>
+          </a:p>
+          <a:p>
+            <a:pPr marL="0" lvl="0" indent="0" defTabSz="457200">
+              <a:lnSpc>
+                <a:spcPct val="100000"/>
+              </a:lnSpc>
+              <a:spcBef>
+                <a:spcPts val="0"/>
+              </a:spcBef>
+              <a:spcAft>
+                <a:spcPts val="0"/>
+              </a:spcAft>
+              <a:buClrTx/>
+              <a:buSzTx/>
+              <a:buNone/>
+            </a:pPr>
+            <a:endParaRPr lang="fr-BE" sz="1800" dirty="0">
+              <a:solidFill>
+                <a:schemeClr val="tx2"/>
+              </a:solidFill>
+              <a:latin typeface="Consolas" panose="020B0609020204030204" pitchFamily="49" charset="0"/>
+            </a:endParaRPr>
+          </a:p>
+          <a:p>
+            <a:pPr marL="0" lvl="0" indent="0" defTabSz="457200">
+              <a:lnSpc>
+                <a:spcPct val="100000"/>
+              </a:lnSpc>
+              <a:spcBef>
+                <a:spcPts val="0"/>
+              </a:spcBef>
+              <a:spcAft>
+                <a:spcPts val="0"/>
+              </a:spcAft>
+              <a:buClrTx/>
+              <a:buSzTx/>
+              <a:buNone/>
+            </a:pPr>
+            <a:r>
+              <a:rPr lang="fr-BE" sz="1800" dirty="0" err="1">
+                <a:solidFill>
+                  <a:schemeClr val="accent2"/>
+                </a:solidFill>
+                <a:latin typeface="Consolas" panose="020B0609020204030204" pitchFamily="49" charset="0"/>
+              </a:rPr>
+              <a:t>int</a:t>
+            </a:r>
+            <a:r>
+              <a:rPr lang="fr-BE" sz="1800" dirty="0">
+                <a:solidFill>
+                  <a:schemeClr val="accent2"/>
+                </a:solidFill>
+                <a:latin typeface="Consolas" panose="020B0609020204030204" pitchFamily="49" charset="0"/>
+              </a:rPr>
+              <a:t> </a:t>
+            </a:r>
+            <a:r>
+              <a:rPr lang="fr-BE" sz="1800" dirty="0" err="1">
+                <a:solidFill>
+                  <a:schemeClr val="accent2"/>
+                </a:solidFill>
+                <a:latin typeface="Consolas" panose="020B0609020204030204" pitchFamily="49" charset="0"/>
+              </a:rPr>
+              <a:t>myMultiplyFunction</a:t>
+            </a:r>
+            <a:r>
+              <a:rPr lang="fr-BE" sz="1800" dirty="0">
+                <a:solidFill>
+                  <a:schemeClr val="accent2"/>
+                </a:solidFill>
+                <a:latin typeface="Consolas" panose="020B0609020204030204" pitchFamily="49" charset="0"/>
+              </a:rPr>
+              <a:t>(</a:t>
+            </a:r>
+            <a:r>
+              <a:rPr lang="fr-BE" sz="1800" dirty="0" err="1">
+                <a:solidFill>
+                  <a:schemeClr val="accent2"/>
+                </a:solidFill>
+                <a:latin typeface="Consolas" panose="020B0609020204030204" pitchFamily="49" charset="0"/>
+              </a:rPr>
+              <a:t>int</a:t>
+            </a:r>
+            <a:r>
+              <a:rPr lang="fr-BE" sz="1800" dirty="0">
+                <a:solidFill>
+                  <a:schemeClr val="accent2"/>
+                </a:solidFill>
+                <a:latin typeface="Consolas" panose="020B0609020204030204" pitchFamily="49" charset="0"/>
+              </a:rPr>
+              <a:t> x, </a:t>
+            </a:r>
+            <a:r>
+              <a:rPr lang="fr-BE" sz="1800" dirty="0" err="1">
+                <a:solidFill>
+                  <a:schemeClr val="accent2"/>
+                </a:solidFill>
+                <a:latin typeface="Consolas" panose="020B0609020204030204" pitchFamily="49" charset="0"/>
+              </a:rPr>
+              <a:t>int</a:t>
+            </a:r>
+            <a:r>
+              <a:rPr lang="fr-BE" sz="1800" dirty="0">
+                <a:solidFill>
+                  <a:schemeClr val="accent2"/>
+                </a:solidFill>
+                <a:latin typeface="Consolas" panose="020B0609020204030204" pitchFamily="49" charset="0"/>
+              </a:rPr>
+              <a:t> y){</a:t>
+            </a:r>
+          </a:p>
+          <a:p>
+            <a:pPr marL="0" lvl="0" indent="0" defTabSz="457200">
+              <a:lnSpc>
+                <a:spcPct val="100000"/>
+              </a:lnSpc>
+              <a:spcBef>
+                <a:spcPts val="0"/>
+              </a:spcBef>
+              <a:spcAft>
+                <a:spcPts val="0"/>
+              </a:spcAft>
+              <a:buClrTx/>
+              <a:buSzTx/>
+              <a:buNone/>
+            </a:pPr>
+            <a:r>
+              <a:rPr lang="fr-BE" sz="1800" dirty="0">
+                <a:solidFill>
+                  <a:schemeClr val="accent2"/>
+                </a:solidFill>
+                <a:latin typeface="Consolas" panose="020B0609020204030204" pitchFamily="49" charset="0"/>
+              </a:rPr>
+              <a:t>  </a:t>
+            </a:r>
+            <a:r>
+              <a:rPr lang="fr-BE" sz="1800" dirty="0" err="1">
+                <a:solidFill>
+                  <a:schemeClr val="accent2"/>
+                </a:solidFill>
+                <a:latin typeface="Consolas" panose="020B0609020204030204" pitchFamily="49" charset="0"/>
+              </a:rPr>
+              <a:t>int</a:t>
+            </a:r>
+            <a:r>
+              <a:rPr lang="fr-BE" sz="1800" dirty="0">
+                <a:solidFill>
+                  <a:schemeClr val="accent2"/>
+                </a:solidFill>
+                <a:latin typeface="Consolas" panose="020B0609020204030204" pitchFamily="49" charset="0"/>
+              </a:rPr>
+              <a:t> </a:t>
+            </a:r>
+            <a:r>
+              <a:rPr lang="fr-BE" sz="1800" dirty="0" err="1">
+                <a:solidFill>
+                  <a:schemeClr val="accent2"/>
+                </a:solidFill>
+                <a:latin typeface="Consolas" panose="020B0609020204030204" pitchFamily="49" charset="0"/>
+              </a:rPr>
+              <a:t>result</a:t>
+            </a:r>
+            <a:r>
+              <a:rPr lang="fr-BE" sz="1800" dirty="0">
+                <a:solidFill>
+                  <a:schemeClr val="accent2"/>
+                </a:solidFill>
+                <a:latin typeface="Consolas" panose="020B0609020204030204" pitchFamily="49" charset="0"/>
+              </a:rPr>
+              <a:t>;</a:t>
+            </a:r>
+          </a:p>
+          <a:p>
+            <a:pPr marL="0" lvl="0" indent="0" defTabSz="457200">
+              <a:lnSpc>
+                <a:spcPct val="100000"/>
+              </a:lnSpc>
+              <a:spcBef>
+                <a:spcPts val="0"/>
+              </a:spcBef>
+              <a:spcAft>
+                <a:spcPts val="0"/>
+              </a:spcAft>
+              <a:buClrTx/>
+              <a:buSzTx/>
+              <a:buNone/>
+            </a:pPr>
+            <a:r>
+              <a:rPr lang="fr-BE" sz="1800" dirty="0">
+                <a:solidFill>
+                  <a:schemeClr val="accent2"/>
+                </a:solidFill>
+                <a:latin typeface="Consolas" panose="020B0609020204030204" pitchFamily="49" charset="0"/>
+              </a:rPr>
+              <a:t>  </a:t>
+            </a:r>
+            <a:r>
+              <a:rPr lang="fr-BE" sz="1800" dirty="0" err="1">
+                <a:solidFill>
+                  <a:schemeClr val="accent2"/>
+                </a:solidFill>
+                <a:latin typeface="Consolas" panose="020B0609020204030204" pitchFamily="49" charset="0"/>
+              </a:rPr>
+              <a:t>result</a:t>
+            </a:r>
+            <a:r>
+              <a:rPr lang="fr-BE" sz="1800" dirty="0">
+                <a:solidFill>
+                  <a:schemeClr val="accent2"/>
+                </a:solidFill>
+                <a:latin typeface="Consolas" panose="020B0609020204030204" pitchFamily="49" charset="0"/>
+              </a:rPr>
+              <a:t> = x * y;</a:t>
+            </a:r>
+          </a:p>
+          <a:p>
+            <a:pPr marL="0" lvl="0" indent="0" defTabSz="457200">
+              <a:lnSpc>
+                <a:spcPct val="100000"/>
+              </a:lnSpc>
+              <a:spcBef>
+                <a:spcPts val="0"/>
+              </a:spcBef>
+              <a:spcAft>
+                <a:spcPts val="0"/>
+              </a:spcAft>
+              <a:buClrTx/>
+              <a:buSzTx/>
+              <a:buNone/>
+            </a:pPr>
+            <a:r>
+              <a:rPr lang="fr-BE" sz="1800" dirty="0">
+                <a:solidFill>
+                  <a:schemeClr val="accent2"/>
+                </a:solidFill>
+                <a:latin typeface="Consolas" panose="020B0609020204030204" pitchFamily="49" charset="0"/>
+              </a:rPr>
+              <a:t>  return </a:t>
+            </a:r>
+            <a:r>
+              <a:rPr lang="fr-BE" sz="1800" dirty="0" err="1">
+                <a:solidFill>
+                  <a:schemeClr val="accent2"/>
+                </a:solidFill>
+                <a:latin typeface="Consolas" panose="020B0609020204030204" pitchFamily="49" charset="0"/>
+              </a:rPr>
+              <a:t>result</a:t>
+            </a:r>
+            <a:r>
+              <a:rPr lang="fr-BE" sz="1800" dirty="0">
+                <a:solidFill>
+                  <a:schemeClr val="accent2"/>
+                </a:solidFill>
+                <a:latin typeface="Consolas" panose="020B0609020204030204" pitchFamily="49" charset="0"/>
+              </a:rPr>
+              <a:t>;</a:t>
+            </a:r>
+          </a:p>
+          <a:p>
+            <a:pPr marL="0" lvl="0" indent="0" defTabSz="457200">
+              <a:lnSpc>
+                <a:spcPct val="100000"/>
+              </a:lnSpc>
+              <a:spcBef>
+                <a:spcPts val="0"/>
+              </a:spcBef>
+              <a:spcAft>
+                <a:spcPts val="0"/>
+              </a:spcAft>
+              <a:buClrTx/>
+              <a:buSzTx/>
+              <a:buNone/>
+            </a:pPr>
+            <a:r>
+              <a:rPr lang="fr-BE" sz="1800" dirty="0">
+                <a:solidFill>
+                  <a:schemeClr val="accent2"/>
+                </a:solidFill>
+                <a:latin typeface="Consolas" panose="020B0609020204030204" pitchFamily="49" charset="0"/>
+              </a:rPr>
+              <a:t>}</a:t>
+            </a:r>
+          </a:p>
+          <a:p>
+            <a:endParaRPr lang="fr-BE" dirty="0">
+              <a:solidFill>
+                <a:schemeClr val="tx2"/>
+              </a:solidFill>
+            </a:endParaRPr>
+          </a:p>
+        </p:txBody>
+      </p:sp>
+    </p:spTree>
+    <p:extLst>
+      <p:ext uri="{BB962C8B-B14F-4D97-AF65-F5344CB8AC3E}">
+        <p14:creationId xmlns:p14="http://schemas.microsoft.com/office/powerpoint/2010/main" val="2625942398"/>
+      </p:ext>
+    </p:extLst>
+  </p:cSld>
+  <p:clrMapOvr>
+    <a:masterClrMapping/>
+  </p:clrMapOvr>
+</p:sld>
+</file>
+
+<file path=ppt/slides/slide17.xml><?xml version="1.0" encoding="utf-8"?>
+<p:sld xmlns:a="http://schemas.openxmlformats.org/drawingml/2006/main" xmlns:r="http://schemas.openxmlformats.org/officeDocument/2006/relationships" xmlns:p="http://schemas.openxmlformats.org/presentationml/2006/main">
+  <p:cSld>
+    <p:spTree>
+      <p:nvGrpSpPr>
+        <p:cNvPr id="1" name=""/>
+        <p:cNvGrpSpPr/>
+        <p:nvPr/>
+      </p:nvGrpSpPr>
+      <p:grpSpPr>
+        <a:xfrm>
+          <a:off x="0" y="0"/>
+          <a:ext cx="0" cy="0"/>
+          <a:chOff x="0" y="0"/>
+          <a:chExt cx="0" cy="0"/>
+        </a:xfrm>
+      </p:grpSpPr>
+      <p:sp>
+        <p:nvSpPr>
+          <p:cNvPr id="2" name="Titre 1">
+            <a:extLst>
+              <a:ext uri="{FF2B5EF4-FFF2-40B4-BE49-F238E27FC236}">
+                <a16:creationId xmlns:a16="http://schemas.microsoft.com/office/drawing/2014/main" id="{A517ADCA-3F5C-41A5-86EE-D330AA539688}"/>
+              </a:ext>
+            </a:extLst>
+          </p:cNvPr>
+          <p:cNvSpPr>
+            <a:spLocks noGrp="1"/>
+          </p:cNvSpPr>
+          <p:nvPr>
+            <p:ph type="title"/>
+          </p:nvPr>
+        </p:nvSpPr>
+        <p:spPr/>
+        <p:txBody>
+          <a:bodyPr/>
+          <a:lstStyle/>
+          <a:p>
+            <a:r>
+              <a:rPr lang="fr-BE" dirty="0"/>
+              <a:t>Fonctions</a:t>
+            </a:r>
+          </a:p>
+        </p:txBody>
+      </p:sp>
+      <p:sp>
+        <p:nvSpPr>
+          <p:cNvPr id="5" name="Espace réservé du contenu 4">
+            <a:extLst>
+              <a:ext uri="{FF2B5EF4-FFF2-40B4-BE49-F238E27FC236}">
+                <a16:creationId xmlns:a16="http://schemas.microsoft.com/office/drawing/2014/main" id="{304FD4D2-CDED-4A6F-A356-58E193BB7DA5}"/>
+              </a:ext>
+            </a:extLst>
+          </p:cNvPr>
+          <p:cNvSpPr>
+            <a:spLocks noGrp="1"/>
+          </p:cNvSpPr>
+          <p:nvPr>
+            <p:ph idx="1"/>
+          </p:nvPr>
+        </p:nvSpPr>
+        <p:spPr/>
+        <p:txBody>
+          <a:bodyPr/>
+          <a:lstStyle/>
+          <a:p>
+            <a:r>
+              <a:rPr lang="fr-BE" dirty="0"/>
+              <a:t>Il existe 2 fonctions spéciales en Arduino</a:t>
+            </a:r>
+          </a:p>
+          <a:p>
+            <a:r>
+              <a:rPr lang="fr-BE" dirty="0">
+                <a:latin typeface="Consolas" panose="020B0609020204030204" pitchFamily="49" charset="0"/>
+              </a:rPr>
+              <a:t>setup()</a:t>
+            </a:r>
+          </a:p>
+          <a:p>
+            <a:pPr lvl="1"/>
+            <a:r>
+              <a:rPr lang="fr-BE" dirty="0"/>
+              <a:t>Est </a:t>
+            </a:r>
+            <a:r>
+              <a:rPr lang="fr-BE" dirty="0" err="1"/>
+              <a:t>executée</a:t>
+            </a:r>
+            <a:r>
+              <a:rPr lang="fr-BE" dirty="0"/>
+              <a:t> 1 seule fois au démarrage de l’Arduino</a:t>
+            </a:r>
+          </a:p>
+          <a:p>
+            <a:r>
+              <a:rPr lang="fr-BE" dirty="0" err="1">
+                <a:latin typeface="Consolas" panose="020B0609020204030204" pitchFamily="49" charset="0"/>
+              </a:rPr>
+              <a:t>loop</a:t>
+            </a:r>
+            <a:r>
+              <a:rPr lang="fr-BE" dirty="0">
+                <a:latin typeface="Consolas" panose="020B0609020204030204" pitchFamily="49" charset="0"/>
+              </a:rPr>
+              <a:t>()</a:t>
+            </a:r>
+          </a:p>
+          <a:p>
+            <a:pPr lvl="1"/>
+            <a:r>
+              <a:rPr lang="fr-BE" dirty="0"/>
+              <a:t>Est exécutée en boucle une fois l’Arduino démarré</a:t>
+            </a:r>
+          </a:p>
+        </p:txBody>
+      </p:sp>
+    </p:spTree>
+    <p:extLst>
+      <p:ext uri="{BB962C8B-B14F-4D97-AF65-F5344CB8AC3E}">
+        <p14:creationId xmlns:p14="http://schemas.microsoft.com/office/powerpoint/2010/main" val="2664702297"/>
+      </p:ext>
+    </p:extLst>
+  </p:cSld>
+  <p:clrMapOvr>
+    <a:masterClrMapping/>
+  </p:clrMapOvr>
+</p:sld>
+</file>
+
+<file path=ppt/slides/slide18.xml><?xml version="1.0" encoding="utf-8"?>
+<p:sld xmlns:a="http://schemas.openxmlformats.org/drawingml/2006/main" xmlns:r="http://schemas.openxmlformats.org/officeDocument/2006/relationships" xmlns:p="http://schemas.openxmlformats.org/presentationml/2006/main">
+  <p:cSld>
+    <p:spTree>
+      <p:nvGrpSpPr>
+        <p:cNvPr id="1" name=""/>
+        <p:cNvGrpSpPr/>
+        <p:nvPr/>
+      </p:nvGrpSpPr>
+      <p:grpSpPr>
+        <a:xfrm>
+          <a:off x="0" y="0"/>
+          <a:ext cx="0" cy="0"/>
+          <a:chOff x="0" y="0"/>
+          <a:chExt cx="0" cy="0"/>
+        </a:xfrm>
+      </p:grpSpPr>
+      <p:sp>
+        <p:nvSpPr>
+          <p:cNvPr id="2" name="Titre 1">
+            <a:extLst>
+              <a:ext uri="{FF2B5EF4-FFF2-40B4-BE49-F238E27FC236}">
+                <a16:creationId xmlns:a16="http://schemas.microsoft.com/office/drawing/2014/main" id="{8736858C-681F-48E2-9D73-8079525732DC}"/>
+              </a:ext>
+            </a:extLst>
+          </p:cNvPr>
+          <p:cNvSpPr>
+            <a:spLocks noGrp="1"/>
+          </p:cNvSpPr>
+          <p:nvPr>
+            <p:ph type="title"/>
+          </p:nvPr>
+        </p:nvSpPr>
+        <p:spPr/>
+        <p:txBody>
+          <a:bodyPr/>
+          <a:lstStyle/>
+          <a:p>
+            <a:r>
+              <a:rPr lang="fr-BE" dirty="0"/>
+              <a:t>Condition</a:t>
+            </a:r>
+          </a:p>
+        </p:txBody>
+      </p:sp>
+      <p:sp>
+        <p:nvSpPr>
+          <p:cNvPr id="4" name="Espace réservé du contenu 3">
+            <a:extLst>
+              <a:ext uri="{FF2B5EF4-FFF2-40B4-BE49-F238E27FC236}">
+                <a16:creationId xmlns:a16="http://schemas.microsoft.com/office/drawing/2014/main" id="{FF993773-B5F1-461F-BF26-5F2F89BEAA1E}"/>
+              </a:ext>
+            </a:extLst>
+          </p:cNvPr>
+          <p:cNvSpPr>
+            <a:spLocks noGrp="1"/>
+          </p:cNvSpPr>
+          <p:nvPr>
+            <p:ph sz="half" idx="1"/>
+          </p:nvPr>
+        </p:nvSpPr>
+        <p:spPr/>
+        <p:txBody>
+          <a:bodyPr>
+            <a:normAutofit fontScale="92500" lnSpcReduction="10000"/>
+          </a:bodyPr>
+          <a:lstStyle/>
+          <a:p>
+            <a:r>
+              <a:rPr lang="fr-BE" dirty="0"/>
+              <a:t>Une condition à tester</a:t>
+            </a:r>
+          </a:p>
+          <a:p>
+            <a:r>
+              <a:rPr lang="fr-BE" dirty="0"/>
+              <a:t>Un bout de code à exécuter si la condition est vérifiée</a:t>
+            </a:r>
+          </a:p>
+          <a:p>
+            <a:r>
+              <a:rPr lang="fr-BE" dirty="0"/>
+              <a:t>Un bout de code à exécuter si la condition n’est pas vérifiée (optionnel)</a:t>
+            </a:r>
+          </a:p>
+        </p:txBody>
+      </p:sp>
+      <p:sp>
+        <p:nvSpPr>
+          <p:cNvPr id="5" name="Espace réservé du contenu 4">
+            <a:extLst>
+              <a:ext uri="{FF2B5EF4-FFF2-40B4-BE49-F238E27FC236}">
+                <a16:creationId xmlns:a16="http://schemas.microsoft.com/office/drawing/2014/main" id="{AA8482D3-12B8-4058-A77C-CB02601C2619}"/>
+              </a:ext>
+            </a:extLst>
+          </p:cNvPr>
+          <p:cNvSpPr>
+            <a:spLocks noGrp="1"/>
+          </p:cNvSpPr>
+          <p:nvPr>
+            <p:ph sz="half" idx="2"/>
+          </p:nvPr>
+        </p:nvSpPr>
+        <p:spPr/>
+        <p:txBody>
+          <a:bodyPr>
+            <a:normAutofit fontScale="92500" lnSpcReduction="10000"/>
+          </a:bodyPr>
+          <a:lstStyle/>
+          <a:p>
+            <a:r>
+              <a:rPr lang="en-US" dirty="0">
+                <a:solidFill>
+                  <a:schemeClr val="accent2"/>
+                </a:solidFill>
+                <a:latin typeface="Consolas" panose="020B0609020204030204" pitchFamily="49" charset="0"/>
+              </a:rPr>
+              <a:t>if (x &gt; 120) {</a:t>
+            </a:r>
+          </a:p>
+          <a:p>
+            <a:r>
+              <a:rPr lang="en-US" dirty="0">
+                <a:solidFill>
+                  <a:schemeClr val="tx2"/>
+                </a:solidFill>
+                <a:latin typeface="Consolas" panose="020B0609020204030204" pitchFamily="49" charset="0"/>
+              </a:rPr>
+              <a:t>    </a:t>
+            </a:r>
+            <a:r>
+              <a:rPr lang="en-US" dirty="0" err="1">
+                <a:solidFill>
+                  <a:schemeClr val="tx2"/>
+                </a:solidFill>
+                <a:latin typeface="Consolas" panose="020B0609020204030204" pitchFamily="49" charset="0"/>
+              </a:rPr>
+              <a:t>digitalWrite</a:t>
+            </a:r>
+            <a:r>
+              <a:rPr lang="en-US" dirty="0">
+                <a:solidFill>
+                  <a:schemeClr val="tx2"/>
+                </a:solidFill>
+                <a:latin typeface="Consolas" panose="020B0609020204030204" pitchFamily="49" charset="0"/>
+              </a:rPr>
+              <a:t>(LEDpin1, HIGH);</a:t>
+            </a:r>
+          </a:p>
+          <a:p>
+            <a:r>
+              <a:rPr lang="en-US" dirty="0">
+                <a:solidFill>
+                  <a:schemeClr val="tx2"/>
+                </a:solidFill>
+                <a:latin typeface="Consolas" panose="020B0609020204030204" pitchFamily="49" charset="0"/>
+              </a:rPr>
+              <a:t>    </a:t>
+            </a:r>
+            <a:r>
+              <a:rPr lang="en-US" dirty="0" err="1">
+                <a:solidFill>
+                  <a:schemeClr val="tx2"/>
+                </a:solidFill>
+                <a:latin typeface="Consolas" panose="020B0609020204030204" pitchFamily="49" charset="0"/>
+              </a:rPr>
+              <a:t>digitalWrite</a:t>
+            </a:r>
+            <a:r>
+              <a:rPr lang="en-US" dirty="0">
+                <a:solidFill>
+                  <a:schemeClr val="tx2"/>
+                </a:solidFill>
+                <a:latin typeface="Consolas" panose="020B0609020204030204" pitchFamily="49" charset="0"/>
+              </a:rPr>
+              <a:t>(LEDpin2, HIGH);</a:t>
+            </a:r>
+          </a:p>
+          <a:p>
+            <a:r>
+              <a:rPr lang="en-US" dirty="0">
+                <a:solidFill>
+                  <a:schemeClr val="accent2"/>
+                </a:solidFill>
+                <a:latin typeface="Consolas" panose="020B0609020204030204" pitchFamily="49" charset="0"/>
+              </a:rPr>
+              <a:t>}</a:t>
+            </a:r>
+          </a:p>
+          <a:p>
+            <a:endParaRPr lang="en-US" dirty="0">
+              <a:solidFill>
+                <a:schemeClr val="accent2"/>
+              </a:solidFill>
+              <a:latin typeface="Consolas" panose="020B0609020204030204" pitchFamily="49" charset="0"/>
+            </a:endParaRPr>
+          </a:p>
+          <a:p>
+            <a:r>
+              <a:rPr lang="fr-BE" dirty="0">
+                <a:solidFill>
+                  <a:schemeClr val="accent2"/>
+                </a:solidFill>
+                <a:latin typeface="Consolas" panose="020B0609020204030204" pitchFamily="49" charset="0"/>
+              </a:rPr>
+              <a:t>if (y == 150) {</a:t>
+            </a:r>
+          </a:p>
+          <a:p>
+            <a:r>
+              <a:rPr lang="fr-BE" dirty="0">
+                <a:solidFill>
+                  <a:schemeClr val="tx2"/>
+                </a:solidFill>
+                <a:latin typeface="Consolas" panose="020B0609020204030204" pitchFamily="49" charset="0"/>
+              </a:rPr>
+              <a:t>    </a:t>
+            </a:r>
+            <a:r>
+              <a:rPr lang="fr-BE" dirty="0" err="1">
+                <a:solidFill>
+                  <a:schemeClr val="tx2"/>
+                </a:solidFill>
+                <a:latin typeface="Consolas" panose="020B0609020204030204" pitchFamily="49" charset="0"/>
+              </a:rPr>
+              <a:t>digitalWrite</a:t>
+            </a:r>
+            <a:r>
+              <a:rPr lang="fr-BE" dirty="0">
+                <a:solidFill>
+                  <a:schemeClr val="tx2"/>
+                </a:solidFill>
+                <a:latin typeface="Consolas" panose="020B0609020204030204" pitchFamily="49" charset="0"/>
+              </a:rPr>
+              <a:t>(LEDpin4, LOW);</a:t>
+            </a:r>
+          </a:p>
+          <a:p>
+            <a:r>
+              <a:rPr lang="fr-BE" dirty="0">
+                <a:solidFill>
+                  <a:schemeClr val="accent2"/>
+                </a:solidFill>
+                <a:latin typeface="Consolas" panose="020B0609020204030204" pitchFamily="49" charset="0"/>
+              </a:rPr>
+              <a:t>} </a:t>
+            </a:r>
+            <a:r>
+              <a:rPr lang="fr-BE" dirty="0" err="1">
+                <a:solidFill>
+                  <a:schemeClr val="accent2"/>
+                </a:solidFill>
+                <a:latin typeface="Consolas" panose="020B0609020204030204" pitchFamily="49" charset="0"/>
+              </a:rPr>
+              <a:t>else</a:t>
+            </a:r>
+            <a:r>
+              <a:rPr lang="fr-BE" dirty="0">
+                <a:solidFill>
+                  <a:schemeClr val="accent2"/>
+                </a:solidFill>
+                <a:latin typeface="Consolas" panose="020B0609020204030204" pitchFamily="49" charset="0"/>
+              </a:rPr>
+              <a:t> {</a:t>
+            </a:r>
+          </a:p>
+          <a:p>
+            <a:r>
+              <a:rPr lang="fr-BE" dirty="0">
+                <a:solidFill>
+                  <a:schemeClr val="tx2"/>
+                </a:solidFill>
+                <a:latin typeface="Consolas" panose="020B0609020204030204" pitchFamily="49" charset="0"/>
+              </a:rPr>
+              <a:t>    </a:t>
+            </a:r>
+            <a:r>
+              <a:rPr lang="fr-BE" dirty="0" err="1">
+                <a:solidFill>
+                  <a:schemeClr val="tx2"/>
+                </a:solidFill>
+                <a:latin typeface="Consolas" panose="020B0609020204030204" pitchFamily="49" charset="0"/>
+              </a:rPr>
+              <a:t>digitalWrite</a:t>
+            </a:r>
+            <a:r>
+              <a:rPr lang="fr-BE" dirty="0">
+                <a:solidFill>
+                  <a:schemeClr val="tx2"/>
+                </a:solidFill>
+                <a:latin typeface="Consolas" panose="020B0609020204030204" pitchFamily="49" charset="0"/>
+              </a:rPr>
+              <a:t>(LEDpin4, HIGH);</a:t>
+            </a:r>
+          </a:p>
+          <a:p>
+            <a:r>
+              <a:rPr lang="fr-BE" dirty="0">
+                <a:solidFill>
+                  <a:schemeClr val="accent2"/>
+                </a:solidFill>
+                <a:latin typeface="Consolas" panose="020B0609020204030204" pitchFamily="49" charset="0"/>
+              </a:rPr>
+              <a:t>}</a:t>
+            </a:r>
+            <a:endParaRPr lang="en-US" dirty="0">
+              <a:solidFill>
+                <a:schemeClr val="accent2"/>
+              </a:solidFill>
+              <a:latin typeface="Consolas" panose="020B0609020204030204" pitchFamily="49" charset="0"/>
+            </a:endParaRPr>
+          </a:p>
+        </p:txBody>
+      </p:sp>
+    </p:spTree>
+    <p:extLst>
+      <p:ext uri="{BB962C8B-B14F-4D97-AF65-F5344CB8AC3E}">
+        <p14:creationId xmlns:p14="http://schemas.microsoft.com/office/powerpoint/2010/main" val="2638153679"/>
+      </p:ext>
+    </p:extLst>
+  </p:cSld>
+  <p:clrMapOvr>
+    <a:masterClrMapping/>
+  </p:clrMapOvr>
+</p:sld>
+</file>
+
+<file path=ppt/slides/slide19.xml><?xml version="1.0" encoding="utf-8"?>
+<p:sld xmlns:a="http://schemas.openxmlformats.org/drawingml/2006/main" xmlns:r="http://schemas.openxmlformats.org/officeDocument/2006/relationships" xmlns:p="http://schemas.openxmlformats.org/presentationml/2006/main">
+  <p:cSld>
+    <p:spTree>
+      <p:nvGrpSpPr>
+        <p:cNvPr id="1" name=""/>
+        <p:cNvGrpSpPr/>
+        <p:nvPr/>
+      </p:nvGrpSpPr>
+      <p:grpSpPr>
+        <a:xfrm>
+          <a:off x="0" y="0"/>
+          <a:ext cx="0" cy="0"/>
+          <a:chOff x="0" y="0"/>
+          <a:chExt cx="0" cy="0"/>
+        </a:xfrm>
+      </p:grpSpPr>
+      <p:sp>
+        <p:nvSpPr>
+          <p:cNvPr id="2" name="Titre 1">
+            <a:extLst>
+              <a:ext uri="{FF2B5EF4-FFF2-40B4-BE49-F238E27FC236}">
+                <a16:creationId xmlns:a16="http://schemas.microsoft.com/office/drawing/2014/main" id="{54B38BAC-7BC6-43FE-BEEA-505F71C250F6}"/>
+              </a:ext>
+            </a:extLst>
+          </p:cNvPr>
+          <p:cNvSpPr>
+            <a:spLocks noGrp="1"/>
+          </p:cNvSpPr>
+          <p:nvPr>
+            <p:ph type="title"/>
+          </p:nvPr>
+        </p:nvSpPr>
+        <p:spPr/>
+        <p:txBody>
+          <a:bodyPr/>
+          <a:lstStyle/>
+          <a:p>
+            <a:r>
+              <a:rPr lang="fr-BE" dirty="0"/>
+              <a:t>Boucle </a:t>
+            </a:r>
+            <a:r>
+              <a:rPr lang="fr-BE" dirty="0">
+                <a:latin typeface="Consolas" panose="020B0609020204030204" pitchFamily="49" charset="0"/>
+              </a:rPr>
+              <a:t>for</a:t>
+            </a:r>
+          </a:p>
+        </p:txBody>
+      </p:sp>
+      <p:sp>
+        <p:nvSpPr>
+          <p:cNvPr id="3" name="Espace réservé du contenu 2">
+            <a:extLst>
+              <a:ext uri="{FF2B5EF4-FFF2-40B4-BE49-F238E27FC236}">
+                <a16:creationId xmlns:a16="http://schemas.microsoft.com/office/drawing/2014/main" id="{B694E7E4-BA34-42CB-BF94-BE9237BFE9C3}"/>
+              </a:ext>
+            </a:extLst>
+          </p:cNvPr>
+          <p:cNvSpPr>
+            <a:spLocks noGrp="1"/>
+          </p:cNvSpPr>
+          <p:nvPr>
+            <p:ph sz="half" idx="1"/>
+          </p:nvPr>
+        </p:nvSpPr>
+        <p:spPr/>
+        <p:txBody>
+          <a:bodyPr/>
+          <a:lstStyle/>
+          <a:p>
+            <a:r>
+              <a:rPr lang="fr-BE" dirty="0"/>
+              <a:t>Un compteur</a:t>
+            </a:r>
+          </a:p>
+          <a:p>
+            <a:r>
+              <a:rPr lang="fr-BE" dirty="0"/>
+              <a:t>Un bout de code à répéter</a:t>
+            </a:r>
+          </a:p>
+          <a:p>
+            <a:r>
+              <a:rPr lang="fr-BE" dirty="0"/>
+              <a:t>À utiliser quand on sait combien de fois il faut répéter la boucle</a:t>
+            </a:r>
+          </a:p>
+        </p:txBody>
+      </p:sp>
+      <p:sp>
+        <p:nvSpPr>
+          <p:cNvPr id="4" name="Espace réservé du contenu 3">
+            <a:extLst>
+              <a:ext uri="{FF2B5EF4-FFF2-40B4-BE49-F238E27FC236}">
+                <a16:creationId xmlns:a16="http://schemas.microsoft.com/office/drawing/2014/main" id="{5A912A69-4B62-405F-972D-809F4CA32731}"/>
+              </a:ext>
+            </a:extLst>
+          </p:cNvPr>
+          <p:cNvSpPr>
+            <a:spLocks noGrp="1"/>
+          </p:cNvSpPr>
+          <p:nvPr>
+            <p:ph sz="half" idx="2"/>
+          </p:nvPr>
+        </p:nvSpPr>
+        <p:spPr/>
+        <p:txBody>
+          <a:bodyPr/>
+          <a:lstStyle/>
+          <a:p>
+            <a:r>
+              <a:rPr lang="nn-NO" dirty="0">
+                <a:solidFill>
+                  <a:schemeClr val="accent2"/>
+                </a:solidFill>
+                <a:latin typeface="Consolas" panose="020B0609020204030204" pitchFamily="49" charset="0"/>
+              </a:rPr>
+              <a:t>for (int i=0; i &lt;= 255; i++) {</a:t>
+            </a:r>
+          </a:p>
+          <a:p>
+            <a:r>
+              <a:rPr lang="nn-NO" dirty="0">
+                <a:solidFill>
+                  <a:schemeClr val="tx2"/>
+                </a:solidFill>
+                <a:latin typeface="Consolas" panose="020B0609020204030204" pitchFamily="49" charset="0"/>
+              </a:rPr>
+              <a:t>    analogWrite(PWMpin, i);</a:t>
+            </a:r>
+          </a:p>
+          <a:p>
+            <a:r>
+              <a:rPr lang="nn-NO" dirty="0">
+                <a:solidFill>
+                  <a:schemeClr val="tx2"/>
+                </a:solidFill>
+                <a:latin typeface="Consolas" panose="020B0609020204030204" pitchFamily="49" charset="0"/>
+              </a:rPr>
+              <a:t>    delay(10);</a:t>
+            </a:r>
+          </a:p>
+          <a:p>
+            <a:r>
+              <a:rPr lang="nn-NO" dirty="0">
+                <a:solidFill>
+                  <a:schemeClr val="accent2"/>
+                </a:solidFill>
+                <a:latin typeface="Consolas" panose="020B0609020204030204" pitchFamily="49" charset="0"/>
+              </a:rPr>
+              <a:t>}</a:t>
+            </a:r>
+            <a:endParaRPr lang="fr-BE" dirty="0">
+              <a:solidFill>
+                <a:schemeClr val="accent2"/>
+              </a:solidFill>
+              <a:latin typeface="Consolas" panose="020B0609020204030204" pitchFamily="49" charset="0"/>
+            </a:endParaRPr>
+          </a:p>
+        </p:txBody>
+      </p:sp>
+    </p:spTree>
+    <p:extLst>
+      <p:ext uri="{BB962C8B-B14F-4D97-AF65-F5344CB8AC3E}">
+        <p14:creationId xmlns:p14="http://schemas.microsoft.com/office/powerpoint/2010/main" val="1360195238"/>
+      </p:ext>
+    </p:extLst>
+  </p:cSld>
+  <p:clrMapOvr>
+    <a:masterClrMapping/>
+  </p:clrMapOvr>
+</p:sld>
+</file>
+
 <file path=ppt/slides/slide2.xml><?xml version="1.0" encoding="utf-8"?>
 <p:sld xmlns:a="http://schemas.openxmlformats.org/drawingml/2006/main" xmlns:r="http://schemas.openxmlformats.org/officeDocument/2006/relationships" xmlns:p="http://schemas.openxmlformats.org/presentationml/2006/main">
   <p:cSld>
@@ -8798,7 +12188,9 @@
         </p:nvSpPr>
         <p:spPr/>
         <p:txBody>
-          <a:bodyPr/>
+          <a:bodyPr>
+            <a:normAutofit/>
+          </a:bodyPr>
           <a:lstStyle/>
           <a:p>
             <a:r>
@@ -8865,6 +12257,13 @@
             <a:r>
               <a:rPr lang="fr-BE" dirty="0"/>
               <a:t>Commentaires discriminatoires non tolérés</a:t>
+            </a:r>
+          </a:p>
+          <a:p>
+            <a:pPr lvl="1"/>
+            <a:r>
+              <a:rPr lang="fr-BE" dirty="0"/>
+              <a:t>Ne pas perturber le cours (GSM, réseaux sociaux)</a:t>
             </a:r>
           </a:p>
         </p:txBody>
@@ -8873,6 +12272,456 @@
     <p:extLst>
       <p:ext uri="{BB962C8B-B14F-4D97-AF65-F5344CB8AC3E}">
         <p14:creationId xmlns:p14="http://schemas.microsoft.com/office/powerpoint/2010/main" val="1561921884"/>
+      </p:ext>
+    </p:extLst>
+  </p:cSld>
+  <p:clrMapOvr>
+    <a:masterClrMapping/>
+  </p:clrMapOvr>
+</p:sld>
+</file>
+
+<file path=ppt/slides/slide20.xml><?xml version="1.0" encoding="utf-8"?>
+<p:sld xmlns:a="http://schemas.openxmlformats.org/drawingml/2006/main" xmlns:r="http://schemas.openxmlformats.org/officeDocument/2006/relationships" xmlns:p="http://schemas.openxmlformats.org/presentationml/2006/main">
+  <p:cSld>
+    <p:spTree>
+      <p:nvGrpSpPr>
+        <p:cNvPr id="1" name=""/>
+        <p:cNvGrpSpPr/>
+        <p:nvPr/>
+      </p:nvGrpSpPr>
+      <p:grpSpPr>
+        <a:xfrm>
+          <a:off x="0" y="0"/>
+          <a:ext cx="0" cy="0"/>
+          <a:chOff x="0" y="0"/>
+          <a:chExt cx="0" cy="0"/>
+        </a:xfrm>
+      </p:grpSpPr>
+      <p:sp>
+        <p:nvSpPr>
+          <p:cNvPr id="2" name="Titre 1">
+            <a:extLst>
+              <a:ext uri="{FF2B5EF4-FFF2-40B4-BE49-F238E27FC236}">
+                <a16:creationId xmlns:a16="http://schemas.microsoft.com/office/drawing/2014/main" id="{02040FBF-8174-4C03-8FBB-29D127B981DB}"/>
+              </a:ext>
+            </a:extLst>
+          </p:cNvPr>
+          <p:cNvSpPr>
+            <a:spLocks noGrp="1"/>
+          </p:cNvSpPr>
+          <p:nvPr>
+            <p:ph type="title"/>
+          </p:nvPr>
+        </p:nvSpPr>
+        <p:spPr/>
+        <p:txBody>
+          <a:bodyPr/>
+          <a:lstStyle/>
+          <a:p>
+            <a:r>
+              <a:rPr lang="fr-BE" dirty="0"/>
+              <a:t>Boucle </a:t>
+            </a:r>
+            <a:r>
+              <a:rPr lang="fr-BE" dirty="0" err="1">
+                <a:latin typeface="Consolas" panose="020B0609020204030204" pitchFamily="49" charset="0"/>
+              </a:rPr>
+              <a:t>while</a:t>
+            </a:r>
+            <a:endParaRPr lang="fr-BE" dirty="0">
+              <a:latin typeface="Consolas" panose="020B0609020204030204" pitchFamily="49" charset="0"/>
+            </a:endParaRPr>
+          </a:p>
+        </p:txBody>
+      </p:sp>
+      <p:sp>
+        <p:nvSpPr>
+          <p:cNvPr id="3" name="Espace réservé du contenu 2">
+            <a:extLst>
+              <a:ext uri="{FF2B5EF4-FFF2-40B4-BE49-F238E27FC236}">
+                <a16:creationId xmlns:a16="http://schemas.microsoft.com/office/drawing/2014/main" id="{72FCF137-5206-4979-93D5-2F131404754D}"/>
+              </a:ext>
+            </a:extLst>
+          </p:cNvPr>
+          <p:cNvSpPr>
+            <a:spLocks noGrp="1"/>
+          </p:cNvSpPr>
+          <p:nvPr>
+            <p:ph sz="half" idx="1"/>
+          </p:nvPr>
+        </p:nvSpPr>
+        <p:spPr/>
+        <p:txBody>
+          <a:bodyPr/>
+          <a:lstStyle/>
+          <a:p>
+            <a:r>
+              <a:rPr lang="fr-BE" dirty="0"/>
+              <a:t>Une condition à vérifier</a:t>
+            </a:r>
+          </a:p>
+          <a:p>
+            <a:r>
+              <a:rPr lang="fr-BE" dirty="0"/>
+              <a:t>Un code à répéter</a:t>
+            </a:r>
+          </a:p>
+          <a:p>
+            <a:r>
+              <a:rPr lang="fr-BE" dirty="0"/>
+              <a:t>À utiliser lorsque l’on veut répéter une boucle tant qu’une condition est vérifiée</a:t>
+            </a:r>
+          </a:p>
+        </p:txBody>
+      </p:sp>
+      <p:sp>
+        <p:nvSpPr>
+          <p:cNvPr id="4" name="Espace réservé du contenu 3">
+            <a:extLst>
+              <a:ext uri="{FF2B5EF4-FFF2-40B4-BE49-F238E27FC236}">
+                <a16:creationId xmlns:a16="http://schemas.microsoft.com/office/drawing/2014/main" id="{54489392-61B0-433E-B128-4E72AF8D339C}"/>
+              </a:ext>
+            </a:extLst>
+          </p:cNvPr>
+          <p:cNvSpPr>
+            <a:spLocks noGrp="1"/>
+          </p:cNvSpPr>
+          <p:nvPr>
+            <p:ph sz="half" idx="2"/>
+          </p:nvPr>
+        </p:nvSpPr>
+        <p:spPr/>
+        <p:txBody>
+          <a:bodyPr/>
+          <a:lstStyle/>
+          <a:p>
+            <a:r>
+              <a:rPr lang="en-US" dirty="0">
+                <a:solidFill>
+                  <a:schemeClr val="accent1"/>
+                </a:solidFill>
+                <a:latin typeface="Consolas" panose="020B0609020204030204" pitchFamily="49" charset="0"/>
+              </a:rPr>
+              <a:t>int value = 0;</a:t>
+            </a:r>
+          </a:p>
+          <a:p>
+            <a:r>
+              <a:rPr lang="en-US" dirty="0">
+                <a:solidFill>
+                  <a:schemeClr val="accent2"/>
+                </a:solidFill>
+                <a:latin typeface="Consolas" panose="020B0609020204030204" pitchFamily="49" charset="0"/>
+              </a:rPr>
+              <a:t>while(value &lt; 10) {</a:t>
+            </a:r>
+          </a:p>
+          <a:p>
+            <a:r>
+              <a:rPr lang="en-US" dirty="0">
+                <a:solidFill>
+                  <a:schemeClr val="tx2"/>
+                </a:solidFill>
+                <a:latin typeface="Consolas" panose="020B0609020204030204" pitchFamily="49" charset="0"/>
+              </a:rPr>
+              <a:t>    </a:t>
+            </a:r>
+            <a:r>
+              <a:rPr lang="en-US" dirty="0" err="1">
+                <a:solidFill>
+                  <a:schemeClr val="tx2"/>
+                </a:solidFill>
+                <a:latin typeface="Consolas" panose="020B0609020204030204" pitchFamily="49" charset="0"/>
+              </a:rPr>
+              <a:t>digitalWrite</a:t>
+            </a:r>
+            <a:r>
+              <a:rPr lang="en-US" dirty="0">
+                <a:solidFill>
+                  <a:schemeClr val="tx2"/>
+                </a:solidFill>
+                <a:latin typeface="Consolas" panose="020B0609020204030204" pitchFamily="49" charset="0"/>
+              </a:rPr>
+              <a:t>(LEDpin3, HIGH);</a:t>
+            </a:r>
+          </a:p>
+          <a:p>
+            <a:r>
+              <a:rPr lang="en-US" dirty="0">
+                <a:solidFill>
+                  <a:schemeClr val="tx2"/>
+                </a:solidFill>
+                <a:latin typeface="Consolas" panose="020B0609020204030204" pitchFamily="49" charset="0"/>
+              </a:rPr>
+              <a:t>    delay(200);</a:t>
+            </a:r>
+          </a:p>
+          <a:p>
+            <a:r>
+              <a:rPr lang="en-US" dirty="0">
+                <a:solidFill>
+                  <a:schemeClr val="tx2"/>
+                </a:solidFill>
+                <a:latin typeface="Consolas" panose="020B0609020204030204" pitchFamily="49" charset="0"/>
+              </a:rPr>
+              <a:t>    </a:t>
+            </a:r>
+            <a:r>
+              <a:rPr lang="en-US" dirty="0" err="1">
+                <a:solidFill>
+                  <a:schemeClr val="tx2"/>
+                </a:solidFill>
+                <a:latin typeface="Consolas" panose="020B0609020204030204" pitchFamily="49" charset="0"/>
+              </a:rPr>
+              <a:t>digitalWrite</a:t>
+            </a:r>
+            <a:r>
+              <a:rPr lang="en-US" dirty="0">
+                <a:solidFill>
+                  <a:schemeClr val="tx2"/>
+                </a:solidFill>
+                <a:latin typeface="Consolas" panose="020B0609020204030204" pitchFamily="49" charset="0"/>
+              </a:rPr>
+              <a:t>(LEDpin3, LOW);</a:t>
+            </a:r>
+          </a:p>
+          <a:p>
+            <a:r>
+              <a:rPr lang="en-US" dirty="0">
+                <a:solidFill>
+                  <a:schemeClr val="accent1"/>
+                </a:solidFill>
+                <a:latin typeface="Consolas" panose="020B0609020204030204" pitchFamily="49" charset="0"/>
+              </a:rPr>
+              <a:t>    value = </a:t>
+            </a:r>
+            <a:r>
+              <a:rPr lang="en-US" dirty="0" err="1">
+                <a:solidFill>
+                  <a:schemeClr val="accent1"/>
+                </a:solidFill>
+                <a:latin typeface="Consolas" panose="020B0609020204030204" pitchFamily="49" charset="0"/>
+              </a:rPr>
+              <a:t>analogRead</a:t>
+            </a:r>
+            <a:r>
+              <a:rPr lang="en-US" dirty="0">
+                <a:solidFill>
+                  <a:schemeClr val="accent1"/>
+                </a:solidFill>
+                <a:latin typeface="Consolas" panose="020B0609020204030204" pitchFamily="49" charset="0"/>
+              </a:rPr>
+              <a:t>(</a:t>
+            </a:r>
+            <a:r>
+              <a:rPr lang="en-US" dirty="0" err="1">
+                <a:solidFill>
+                  <a:schemeClr val="accent1"/>
+                </a:solidFill>
+                <a:latin typeface="Consolas" panose="020B0609020204030204" pitchFamily="49" charset="0"/>
+              </a:rPr>
+              <a:t>TRIMpin</a:t>
+            </a:r>
+            <a:r>
+              <a:rPr lang="en-US" dirty="0">
+                <a:solidFill>
+                  <a:schemeClr val="accent1"/>
+                </a:solidFill>
+                <a:latin typeface="Consolas" panose="020B0609020204030204" pitchFamily="49" charset="0"/>
+              </a:rPr>
+              <a:t>);</a:t>
+            </a:r>
+          </a:p>
+          <a:p>
+            <a:r>
+              <a:rPr lang="en-US" dirty="0">
+                <a:solidFill>
+                  <a:schemeClr val="accent2"/>
+                </a:solidFill>
+                <a:latin typeface="Consolas" panose="020B0609020204030204" pitchFamily="49" charset="0"/>
+              </a:rPr>
+              <a:t>}</a:t>
+            </a:r>
+            <a:endParaRPr lang="fr-BE" dirty="0">
+              <a:solidFill>
+                <a:schemeClr val="accent2"/>
+              </a:solidFill>
+              <a:latin typeface="Consolas" panose="020B0609020204030204" pitchFamily="49" charset="0"/>
+            </a:endParaRPr>
+          </a:p>
+        </p:txBody>
+      </p:sp>
+    </p:spTree>
+    <p:extLst>
+      <p:ext uri="{BB962C8B-B14F-4D97-AF65-F5344CB8AC3E}">
+        <p14:creationId xmlns:p14="http://schemas.microsoft.com/office/powerpoint/2010/main" val="803440345"/>
+      </p:ext>
+    </p:extLst>
+  </p:cSld>
+  <p:clrMapOvr>
+    <a:masterClrMapping/>
+  </p:clrMapOvr>
+</p:sld>
+</file>
+
+<file path=ppt/slides/slide21.xml><?xml version="1.0" encoding="utf-8"?>
+<p:sld xmlns:a="http://schemas.openxmlformats.org/drawingml/2006/main" xmlns:r="http://schemas.openxmlformats.org/officeDocument/2006/relationships" xmlns:p="http://schemas.openxmlformats.org/presentationml/2006/main">
+  <p:cSld>
+    <p:spTree>
+      <p:nvGrpSpPr>
+        <p:cNvPr id="1" name=""/>
+        <p:cNvGrpSpPr/>
+        <p:nvPr/>
+      </p:nvGrpSpPr>
+      <p:grpSpPr>
+        <a:xfrm>
+          <a:off x="0" y="0"/>
+          <a:ext cx="0" cy="0"/>
+          <a:chOff x="0" y="0"/>
+          <a:chExt cx="0" cy="0"/>
+        </a:xfrm>
+      </p:grpSpPr>
+      <p:sp>
+        <p:nvSpPr>
+          <p:cNvPr id="5" name="Titre 4">
+            <a:extLst>
+              <a:ext uri="{FF2B5EF4-FFF2-40B4-BE49-F238E27FC236}">
+                <a16:creationId xmlns:a16="http://schemas.microsoft.com/office/drawing/2014/main" id="{59A62E36-18FE-44AD-8444-23F76337DBD3}"/>
+              </a:ext>
+            </a:extLst>
+          </p:cNvPr>
+          <p:cNvSpPr>
+            <a:spLocks noGrp="1"/>
+          </p:cNvSpPr>
+          <p:nvPr>
+            <p:ph type="title"/>
+          </p:nvPr>
+        </p:nvSpPr>
+        <p:spPr/>
+        <p:txBody>
+          <a:bodyPr/>
+          <a:lstStyle/>
+          <a:p>
+            <a:r>
+              <a:rPr lang="fr-BE" dirty="0"/>
+              <a:t>Découvrons les kits</a:t>
+            </a:r>
+          </a:p>
+        </p:txBody>
+      </p:sp>
+      <p:sp>
+        <p:nvSpPr>
+          <p:cNvPr id="7" name="Espace réservé du texte 6">
+            <a:extLst>
+              <a:ext uri="{FF2B5EF4-FFF2-40B4-BE49-F238E27FC236}">
+                <a16:creationId xmlns:a16="http://schemas.microsoft.com/office/drawing/2014/main" id="{680E83CA-2832-4C5E-A087-C58B5FD1EE54}"/>
+              </a:ext>
+            </a:extLst>
+          </p:cNvPr>
+          <p:cNvSpPr>
+            <a:spLocks noGrp="1"/>
+          </p:cNvSpPr>
+          <p:nvPr>
+            <p:ph type="body" idx="1"/>
+          </p:nvPr>
+        </p:nvSpPr>
+        <p:spPr/>
+        <p:txBody>
+          <a:bodyPr/>
+          <a:lstStyle/>
+          <a:p>
+            <a:endParaRPr lang="fr-BE"/>
+          </a:p>
+        </p:txBody>
+      </p:sp>
+    </p:spTree>
+    <p:extLst>
+      <p:ext uri="{BB962C8B-B14F-4D97-AF65-F5344CB8AC3E}">
+        <p14:creationId xmlns:p14="http://schemas.microsoft.com/office/powerpoint/2010/main" val="2979219050"/>
+      </p:ext>
+    </p:extLst>
+  </p:cSld>
+  <p:clrMapOvr>
+    <a:masterClrMapping/>
+  </p:clrMapOvr>
+</p:sld>
+</file>
+
+<file path=ppt/slides/slide22.xml><?xml version="1.0" encoding="utf-8"?>
+<p:sld xmlns:a="http://schemas.openxmlformats.org/drawingml/2006/main" xmlns:r="http://schemas.openxmlformats.org/officeDocument/2006/relationships" xmlns:p="http://schemas.openxmlformats.org/presentationml/2006/main">
+  <p:cSld>
+    <p:spTree>
+      <p:nvGrpSpPr>
+        <p:cNvPr id="1" name=""/>
+        <p:cNvGrpSpPr/>
+        <p:nvPr/>
+      </p:nvGrpSpPr>
+      <p:grpSpPr>
+        <a:xfrm>
+          <a:off x="0" y="0"/>
+          <a:ext cx="0" cy="0"/>
+          <a:chOff x="0" y="0"/>
+          <a:chExt cx="0" cy="0"/>
+        </a:xfrm>
+      </p:grpSpPr>
+      <p:sp>
+        <p:nvSpPr>
+          <p:cNvPr id="2" name="Titre 1">
+            <a:extLst>
+              <a:ext uri="{FF2B5EF4-FFF2-40B4-BE49-F238E27FC236}">
+                <a16:creationId xmlns:a16="http://schemas.microsoft.com/office/drawing/2014/main" id="{0607DA8C-5864-431A-9587-58F477EC27D2}"/>
+              </a:ext>
+            </a:extLst>
+          </p:cNvPr>
+          <p:cNvSpPr>
+            <a:spLocks noGrp="1"/>
+          </p:cNvSpPr>
+          <p:nvPr>
+            <p:ph type="title"/>
+          </p:nvPr>
+        </p:nvSpPr>
+        <p:spPr/>
+        <p:txBody>
+          <a:bodyPr/>
+          <a:lstStyle/>
+          <a:p>
+            <a:r>
+              <a:rPr lang="fr-BE" dirty="0"/>
+              <a:t>Passons à la pratique</a:t>
+            </a:r>
+          </a:p>
+        </p:txBody>
+      </p:sp>
+      <p:sp>
+        <p:nvSpPr>
+          <p:cNvPr id="4" name="Espace réservé du texte 3">
+            <a:extLst>
+              <a:ext uri="{FF2B5EF4-FFF2-40B4-BE49-F238E27FC236}">
+                <a16:creationId xmlns:a16="http://schemas.microsoft.com/office/drawing/2014/main" id="{9B830144-660F-4930-AA77-777E86980172}"/>
+              </a:ext>
+            </a:extLst>
+          </p:cNvPr>
+          <p:cNvSpPr>
+            <a:spLocks noGrp="1"/>
+          </p:cNvSpPr>
+          <p:nvPr>
+            <p:ph type="body" idx="1"/>
+          </p:nvPr>
+        </p:nvSpPr>
+        <p:spPr/>
+        <p:txBody>
+          <a:bodyPr/>
+          <a:lstStyle/>
+          <a:p>
+            <a:endParaRPr lang="fr-BE"/>
+          </a:p>
+        </p:txBody>
+      </p:sp>
+    </p:spTree>
+    <p:extLst>
+      <p:ext uri="{BB962C8B-B14F-4D97-AF65-F5344CB8AC3E}">
+        <p14:creationId xmlns:p14="http://schemas.microsoft.com/office/powerpoint/2010/main" val="4277503180"/>
       </p:ext>
     </p:extLst>
   </p:cSld>
@@ -9977,6 +13826,1042 @@
 </p:sld>
 </file>
 
+<file path=ppt/slides/slide6.xml><?xml version="1.0" encoding="utf-8"?>
+<p:sld xmlns:a="http://schemas.openxmlformats.org/drawingml/2006/main" xmlns:r="http://schemas.openxmlformats.org/officeDocument/2006/relationships" xmlns:p="http://schemas.openxmlformats.org/presentationml/2006/main">
+  <p:cSld>
+    <p:bg>
+      <p:bgPr>
+        <a:solidFill>
+          <a:schemeClr val="bg1"/>
+        </a:solidFill>
+        <a:effectLst/>
+      </p:bgPr>
+    </p:bg>
+    <p:spTree>
+      <p:nvGrpSpPr>
+        <p:cNvPr id="1" name=""/>
+        <p:cNvGrpSpPr/>
+        <p:nvPr/>
+      </p:nvGrpSpPr>
+      <p:grpSpPr>
+        <a:xfrm>
+          <a:off x="0" y="0"/>
+          <a:ext cx="0" cy="0"/>
+          <a:chOff x="0" y="0"/>
+          <a:chExt cx="0" cy="0"/>
+        </a:xfrm>
+      </p:grpSpPr>
+      <p:sp useBgFill="1">
+        <p:nvSpPr>
+          <p:cNvPr id="9" name="Rectangle 8">
+            <a:extLst>
+              <a:ext uri="{FF2B5EF4-FFF2-40B4-BE49-F238E27FC236}">
+                <a16:creationId xmlns:a16="http://schemas.microsoft.com/office/drawing/2014/main" id="{990D0034-F768-41E7-85D4-F38C4DE85770}"/>
+              </a:ext>
+              <a:ext uri="{C183D7F6-B498-43B3-948B-1728B52AA6E4}">
+                <adec:decorative xmlns:adec="http://schemas.microsoft.com/office/drawing/2017/decorative" val="1"/>
+              </a:ext>
+            </a:extLst>
+          </p:cNvPr>
+          <p:cNvSpPr>
+            <a:spLocks noGrp="1" noRot="1" noChangeAspect="1" noMove="1" noResize="1" noEditPoints="1" noAdjustHandles="1" noChangeArrowheads="1" noChangeShapeType="1" noTextEdit="1"/>
+          </p:cNvSpPr>
+          <p:nvPr>
+            <p:extLst>
+              <p:ext uri="{386F3935-93C4-4BCD-93E2-E3B085C9AB24}">
+                <p16:designElem xmlns:p16="http://schemas.microsoft.com/office/powerpoint/2015/main" val="1"/>
+              </p:ext>
+            </p:extLst>
+          </p:nvPr>
+        </p:nvSpPr>
+        <p:spPr>
+          <a:xfrm>
+            <a:off x="0" y="0"/>
+            <a:ext cx="12186315" cy="6858000"/>
+          </a:xfrm>
+          <a:prstGeom prst="rect">
+            <a:avLst/>
+          </a:prstGeom>
+          <a:ln>
+            <a:noFill/>
+          </a:ln>
+        </p:spPr>
+        <p:style>
+          <a:lnRef idx="2">
+            <a:schemeClr val="accent6">
+              <a:shade val="50000"/>
+            </a:schemeClr>
+          </a:lnRef>
+          <a:fillRef idx="1001">
+            <a:schemeClr val="lt1"/>
+          </a:fillRef>
+          <a:effectRef idx="0">
+            <a:schemeClr val="accent6"/>
+          </a:effectRef>
+          <a:fontRef idx="minor">
+            <a:schemeClr val="lt1"/>
+          </a:fontRef>
+        </p:style>
+        <p:txBody>
+          <a:bodyPr rtlCol="0" anchor="ctr"/>
+          <a:lstStyle/>
+          <a:p>
+            <a:pPr algn="ctr"/>
+            <a:endParaRPr lang="en-US"/>
+          </a:p>
+        </p:txBody>
+      </p:sp>
+      <p:sp>
+        <p:nvSpPr>
+          <p:cNvPr id="2" name="Titre 1">
+            <a:extLst>
+              <a:ext uri="{FF2B5EF4-FFF2-40B4-BE49-F238E27FC236}">
+                <a16:creationId xmlns:a16="http://schemas.microsoft.com/office/drawing/2014/main" id="{F87502DB-973E-4828-BB5B-50266D5AE30C}"/>
+              </a:ext>
+            </a:extLst>
+          </p:cNvPr>
+          <p:cNvSpPr>
+            <a:spLocks noGrp="1"/>
+          </p:cNvSpPr>
+          <p:nvPr>
+            <p:ph type="title"/>
+          </p:nvPr>
+        </p:nvSpPr>
+        <p:spPr>
+          <a:xfrm>
+            <a:off x="477078" y="516835"/>
+            <a:ext cx="3100136" cy="2103875"/>
+          </a:xfrm>
+        </p:spPr>
+        <p:txBody>
+          <a:bodyPr>
+            <a:normAutofit/>
+          </a:bodyPr>
+          <a:lstStyle/>
+          <a:p>
+            <a:r>
+              <a:rPr lang="fr-BE" sz="3600"/>
+              <a:t>Et vous ?</a:t>
+            </a:r>
+            <a:endParaRPr lang="fr-BE" sz="3600" dirty="0"/>
+          </a:p>
+        </p:txBody>
+      </p:sp>
+      <p:cxnSp>
+        <p:nvCxnSpPr>
+          <p:cNvPr id="11" name="Straight Connector 10">
+            <a:extLst>
+              <a:ext uri="{FF2B5EF4-FFF2-40B4-BE49-F238E27FC236}">
+                <a16:creationId xmlns:a16="http://schemas.microsoft.com/office/drawing/2014/main" id="{5A0A5CF6-407C-4691-8122-49DF69D0020D}"/>
+              </a:ext>
+              <a:ext uri="{C183D7F6-B498-43B3-948B-1728B52AA6E4}">
+                <adec:decorative xmlns:adec="http://schemas.microsoft.com/office/drawing/2017/decorative" val="1"/>
+              </a:ext>
+            </a:extLst>
+          </p:cNvPr>
+          <p:cNvCxnSpPr>
+            <a:cxnSpLocks noGrp="1" noRot="1" noChangeAspect="1" noMove="1" noResize="1" noEditPoints="1" noAdjustHandles="1" noChangeArrowheads="1" noChangeShapeType="1"/>
+          </p:cNvCxnSpPr>
+          <p:nvPr>
+            <p:extLst>
+              <p:ext uri="{386F3935-93C4-4BCD-93E2-E3B085C9AB24}">
+                <p16:designElem xmlns:p16="http://schemas.microsoft.com/office/powerpoint/2015/main" val="1"/>
+              </p:ext>
+            </p:extLst>
+          </p:nvPr>
+        </p:nvCxnSpPr>
+        <p:spPr>
+          <a:xfrm>
+            <a:off x="590927" y="2633962"/>
+            <a:ext cx="2743200" cy="0"/>
+          </a:xfrm>
+          <a:prstGeom prst="line">
+            <a:avLst/>
+          </a:prstGeom>
+          <a:ln w="6350">
+            <a:solidFill>
+              <a:schemeClr val="tx1">
+                <a:lumMod val="50000"/>
+                <a:lumOff val="50000"/>
+                <a:alpha val="90000"/>
+              </a:schemeClr>
+            </a:solidFill>
+          </a:ln>
+        </p:spPr>
+        <p:style>
+          <a:lnRef idx="1">
+            <a:schemeClr val="accent1"/>
+          </a:lnRef>
+          <a:fillRef idx="0">
+            <a:schemeClr val="accent1"/>
+          </a:fillRef>
+          <a:effectRef idx="0">
+            <a:schemeClr val="accent1"/>
+          </a:effectRef>
+          <a:fontRef idx="minor">
+            <a:schemeClr val="tx1"/>
+          </a:fontRef>
+        </p:style>
+      </p:cxnSp>
+      <p:sp>
+        <p:nvSpPr>
+          <p:cNvPr id="3" name="Espace réservé du contenu 2">
+            <a:extLst>
+              <a:ext uri="{FF2B5EF4-FFF2-40B4-BE49-F238E27FC236}">
+                <a16:creationId xmlns:a16="http://schemas.microsoft.com/office/drawing/2014/main" id="{01F63F51-AD51-4D55-B8F9-EEB63A1A7967}"/>
+              </a:ext>
+            </a:extLst>
+          </p:cNvPr>
+          <p:cNvSpPr>
+            <a:spLocks noGrp="1"/>
+          </p:cNvSpPr>
+          <p:nvPr>
+            <p:ph idx="1"/>
+          </p:nvPr>
+        </p:nvSpPr>
+        <p:spPr>
+          <a:xfrm>
+            <a:off x="492371" y="2736574"/>
+            <a:ext cx="3084844" cy="3366047"/>
+          </a:xfrm>
+        </p:spPr>
+        <p:txBody>
+          <a:bodyPr>
+            <a:normAutofit/>
+          </a:bodyPr>
+          <a:lstStyle/>
+          <a:p>
+            <a:r>
+              <a:rPr lang="fr-BE" sz="1500" dirty="0"/>
+              <a:t>Prénom</a:t>
+            </a:r>
+          </a:p>
+          <a:p>
+            <a:r>
+              <a:rPr lang="fr-BE" sz="1500" dirty="0"/>
+              <a:t>Attentes</a:t>
+            </a:r>
+          </a:p>
+          <a:p>
+            <a:r>
+              <a:rPr lang="fr-BE" sz="1500" dirty="0"/>
+              <a:t>Compétences IoT</a:t>
+            </a:r>
+          </a:p>
+          <a:p>
+            <a:pPr lvl="1"/>
+            <a:r>
+              <a:rPr lang="fr-BE" sz="1300" dirty="0"/>
+              <a:t>Programmation</a:t>
+            </a:r>
+          </a:p>
+          <a:p>
+            <a:pPr lvl="1"/>
+            <a:r>
+              <a:rPr lang="fr-BE" sz="1300" dirty="0"/>
+              <a:t>Électronique</a:t>
+            </a:r>
+          </a:p>
+          <a:p>
+            <a:pPr lvl="1"/>
+            <a:r>
+              <a:rPr lang="fr-BE" sz="1300" dirty="0"/>
+              <a:t>Mécanique</a:t>
+            </a:r>
+          </a:p>
+          <a:p>
+            <a:r>
+              <a:rPr lang="fr-BE" sz="1500" dirty="0"/>
+              <a:t>Projets IoT</a:t>
+            </a:r>
+          </a:p>
+        </p:txBody>
+      </p:sp>
+      <p:pic>
+        <p:nvPicPr>
+          <p:cNvPr id="4" name="Image 3">
+            <a:extLst>
+              <a:ext uri="{FF2B5EF4-FFF2-40B4-BE49-F238E27FC236}">
+                <a16:creationId xmlns:a16="http://schemas.microsoft.com/office/drawing/2014/main" id="{7CD69F60-AD98-43B9-B8C2-DB58D0FC4418}"/>
+              </a:ext>
+            </a:extLst>
+          </p:cNvPr>
+          <p:cNvPicPr>
+            <a:picLocks noChangeAspect="1"/>
+          </p:cNvPicPr>
+          <p:nvPr/>
+        </p:nvPicPr>
+        <p:blipFill rotWithShape="1">
+          <a:blip r:embed="rId2"/>
+          <a:srcRect l="12207" r="8843" b="-1"/>
+          <a:stretch/>
+        </p:blipFill>
+        <p:spPr>
+          <a:xfrm>
+            <a:off x="4075043" y="10"/>
+            <a:ext cx="8111272" cy="6857990"/>
+          </a:xfrm>
+          <a:prstGeom prst="rect">
+            <a:avLst/>
+          </a:prstGeom>
+        </p:spPr>
+      </p:pic>
+    </p:spTree>
+    <p:extLst>
+      <p:ext uri="{BB962C8B-B14F-4D97-AF65-F5344CB8AC3E}">
+        <p14:creationId xmlns:p14="http://schemas.microsoft.com/office/powerpoint/2010/main" val="3836460136"/>
+      </p:ext>
+    </p:extLst>
+  </p:cSld>
+  <p:clrMapOvr>
+    <a:masterClrMapping/>
+  </p:clrMapOvr>
+</p:sld>
+</file>
+
+<file path=ppt/slides/slide7.xml><?xml version="1.0" encoding="utf-8"?>
+<p:sld xmlns:a="http://schemas.openxmlformats.org/drawingml/2006/main" xmlns:r="http://schemas.openxmlformats.org/officeDocument/2006/relationships" xmlns:p="http://schemas.openxmlformats.org/presentationml/2006/main">
+  <p:cSld>
+    <p:spTree>
+      <p:nvGrpSpPr>
+        <p:cNvPr id="1" name=""/>
+        <p:cNvGrpSpPr/>
+        <p:nvPr/>
+      </p:nvGrpSpPr>
+      <p:grpSpPr>
+        <a:xfrm>
+          <a:off x="0" y="0"/>
+          <a:ext cx="0" cy="0"/>
+          <a:chOff x="0" y="0"/>
+          <a:chExt cx="0" cy="0"/>
+        </a:xfrm>
+      </p:grpSpPr>
+      <p:sp>
+        <p:nvSpPr>
+          <p:cNvPr id="2" name="Titre 1">
+            <a:extLst>
+              <a:ext uri="{FF2B5EF4-FFF2-40B4-BE49-F238E27FC236}">
+                <a16:creationId xmlns:a16="http://schemas.microsoft.com/office/drawing/2014/main" id="{A85FFBCB-6DA3-4107-9C27-2983407C457B}"/>
+              </a:ext>
+            </a:extLst>
+          </p:cNvPr>
+          <p:cNvSpPr>
+            <a:spLocks noGrp="1"/>
+          </p:cNvSpPr>
+          <p:nvPr>
+            <p:ph type="title"/>
+          </p:nvPr>
+        </p:nvSpPr>
+        <p:spPr/>
+        <p:txBody>
+          <a:bodyPr/>
+          <a:lstStyle/>
+          <a:p>
+            <a:r>
+              <a:rPr lang="fr-BE" dirty="0"/>
+              <a:t>Partage d’informations	</a:t>
+            </a:r>
+          </a:p>
+        </p:txBody>
+      </p:sp>
+      <p:sp>
+        <p:nvSpPr>
+          <p:cNvPr id="3" name="Espace réservé du contenu 2">
+            <a:extLst>
+              <a:ext uri="{FF2B5EF4-FFF2-40B4-BE49-F238E27FC236}">
+                <a16:creationId xmlns:a16="http://schemas.microsoft.com/office/drawing/2014/main" id="{0B59FC0F-CBC7-4746-83AB-26FD241ADC4B}"/>
+              </a:ext>
+            </a:extLst>
+          </p:cNvPr>
+          <p:cNvSpPr>
+            <a:spLocks noGrp="1"/>
+          </p:cNvSpPr>
+          <p:nvPr>
+            <p:ph idx="1"/>
+          </p:nvPr>
+        </p:nvSpPr>
+        <p:spPr/>
+        <p:txBody>
+          <a:bodyPr anchor="ctr">
+            <a:normAutofit/>
+          </a:bodyPr>
+          <a:lstStyle/>
+          <a:p>
+            <a:pPr algn="ctr"/>
+            <a:r>
+              <a:rPr lang="fr-BE" sz="4000" dirty="0">
+                <a:hlinkClick r:id="rId2"/>
+              </a:rPr>
+              <a:t>https://hebdo.framapad.org/p/iot-20181015</a:t>
+            </a:r>
+            <a:r>
+              <a:rPr lang="fr-BE" sz="4000" dirty="0"/>
+              <a:t> </a:t>
+            </a:r>
+          </a:p>
+        </p:txBody>
+      </p:sp>
+    </p:spTree>
+    <p:extLst>
+      <p:ext uri="{BB962C8B-B14F-4D97-AF65-F5344CB8AC3E}">
+        <p14:creationId xmlns:p14="http://schemas.microsoft.com/office/powerpoint/2010/main" val="776551437"/>
+      </p:ext>
+    </p:extLst>
+  </p:cSld>
+  <p:clrMapOvr>
+    <a:masterClrMapping/>
+  </p:clrMapOvr>
+</p:sld>
+</file>
+
+<file path=ppt/slides/slide8.xml><?xml version="1.0" encoding="utf-8"?>
+<p:sld xmlns:a="http://schemas.openxmlformats.org/drawingml/2006/main" xmlns:r="http://schemas.openxmlformats.org/officeDocument/2006/relationships" xmlns:p="http://schemas.openxmlformats.org/presentationml/2006/main">
+  <p:cSld>
+    <p:bg>
+      <p:bgPr>
+        <a:solidFill>
+          <a:schemeClr val="bg1"/>
+        </a:solidFill>
+        <a:effectLst/>
+      </p:bgPr>
+    </p:bg>
+    <p:spTree>
+      <p:nvGrpSpPr>
+        <p:cNvPr id="1" name=""/>
+        <p:cNvGrpSpPr/>
+        <p:nvPr/>
+      </p:nvGrpSpPr>
+      <p:grpSpPr>
+        <a:xfrm>
+          <a:off x="0" y="0"/>
+          <a:ext cx="0" cy="0"/>
+          <a:chOff x="0" y="0"/>
+          <a:chExt cx="0" cy="0"/>
+        </a:xfrm>
+      </p:grpSpPr>
+      <p:sp>
+        <p:nvSpPr>
+          <p:cNvPr id="2" name="Titre 1">
+            <a:extLst>
+              <a:ext uri="{FF2B5EF4-FFF2-40B4-BE49-F238E27FC236}">
+                <a16:creationId xmlns:a16="http://schemas.microsoft.com/office/drawing/2014/main" id="{2A77AAC5-4A03-4430-807D-47DFE0DE9FB3}"/>
+              </a:ext>
+            </a:extLst>
+          </p:cNvPr>
+          <p:cNvSpPr>
+            <a:spLocks noGrp="1"/>
+          </p:cNvSpPr>
+          <p:nvPr>
+            <p:ph type="title"/>
+          </p:nvPr>
+        </p:nvSpPr>
+        <p:spPr>
+          <a:xfrm>
+            <a:off x="1097280" y="286603"/>
+            <a:ext cx="10058400" cy="1450757"/>
+          </a:xfrm>
+        </p:spPr>
+        <p:txBody>
+          <a:bodyPr>
+            <a:normAutofit/>
+          </a:bodyPr>
+          <a:lstStyle/>
+          <a:p>
+            <a:r>
+              <a:rPr lang="fr-BE" dirty="0"/>
+              <a:t>Qu’est-ce que l’Internet des Objets ?</a:t>
+            </a:r>
+          </a:p>
+        </p:txBody>
+      </p:sp>
+      <p:sp>
+        <p:nvSpPr>
+          <p:cNvPr id="3" name="Espace réservé du contenu 2">
+            <a:extLst>
+              <a:ext uri="{FF2B5EF4-FFF2-40B4-BE49-F238E27FC236}">
+                <a16:creationId xmlns:a16="http://schemas.microsoft.com/office/drawing/2014/main" id="{D7CCE4BA-68ED-4C57-A29D-057D5C1A18A5}"/>
+              </a:ext>
+            </a:extLst>
+          </p:cNvPr>
+          <p:cNvSpPr>
+            <a:spLocks noGrp="1"/>
+          </p:cNvSpPr>
+          <p:nvPr>
+            <p:ph idx="1"/>
+          </p:nvPr>
+        </p:nvSpPr>
+        <p:spPr>
+          <a:xfrm>
+            <a:off x="1097279" y="1845734"/>
+            <a:ext cx="6454987" cy="4023360"/>
+          </a:xfrm>
+        </p:spPr>
+        <p:txBody>
+          <a:bodyPr>
+            <a:normAutofit/>
+          </a:bodyPr>
+          <a:lstStyle/>
+          <a:p>
+            <a:r>
+              <a:rPr lang="fr-BE" dirty="0"/>
+              <a:t>L'</a:t>
+            </a:r>
+            <a:r>
+              <a:rPr lang="fr-BE" b="1" dirty="0"/>
+              <a:t>Internet des objets</a:t>
+            </a:r>
+            <a:r>
+              <a:rPr lang="fr-BE" dirty="0"/>
+              <a:t>, ou </a:t>
+            </a:r>
+            <a:r>
+              <a:rPr lang="fr-BE" b="1" dirty="0" err="1"/>
+              <a:t>IdO</a:t>
+            </a:r>
+            <a:r>
+              <a:rPr lang="fr-BE" dirty="0"/>
+              <a:t> (en anglais </a:t>
+            </a:r>
+            <a:r>
+              <a:rPr lang="fr-BE" i="1" dirty="0"/>
+              <a:t>Internet of </a:t>
+            </a:r>
+            <a:r>
+              <a:rPr lang="fr-BE" i="1" dirty="0" err="1"/>
+              <a:t>Things</a:t>
+            </a:r>
+            <a:r>
+              <a:rPr lang="fr-BE" dirty="0"/>
+              <a:t>, ou </a:t>
+            </a:r>
+            <a:r>
+              <a:rPr lang="fr-BE" i="1" dirty="0"/>
+              <a:t>IoT</a:t>
+            </a:r>
+            <a:r>
+              <a:rPr lang="fr-BE" dirty="0"/>
+              <a:t>), est l'extension d'Internet à des choses et à des lieux du monde physique.</a:t>
+            </a:r>
+          </a:p>
+          <a:p>
+            <a:r>
+              <a:rPr lang="fr-BE" dirty="0"/>
+              <a:t>Alors qu'Internet ne se prolonge habituellement pas au-delà du monde électronique, l'Internet des objets connectés représente les échanges d'informations et de données provenant de dispositifs du monde réel avec le réseau Internet.</a:t>
+            </a:r>
+          </a:p>
+          <a:p>
+            <a:endParaRPr lang="fr-BE" dirty="0"/>
+          </a:p>
+        </p:txBody>
+      </p:sp>
+      <p:pic>
+        <p:nvPicPr>
+          <p:cNvPr id="4" name="Image 3">
+            <a:extLst>
+              <a:ext uri="{FF2B5EF4-FFF2-40B4-BE49-F238E27FC236}">
+                <a16:creationId xmlns:a16="http://schemas.microsoft.com/office/drawing/2014/main" id="{BA376D0A-E65C-4DE3-9A46-14D5DDF325DB}"/>
+              </a:ext>
+            </a:extLst>
+          </p:cNvPr>
+          <p:cNvPicPr>
+            <a:picLocks noChangeAspect="1"/>
+          </p:cNvPicPr>
+          <p:nvPr/>
+        </p:nvPicPr>
+        <p:blipFill rotWithShape="1">
+          <a:blip r:embed="rId2"/>
+          <a:srcRect l="22260" r="17449"/>
+          <a:stretch/>
+        </p:blipFill>
+        <p:spPr>
+          <a:xfrm>
+            <a:off x="8020570" y="1916318"/>
+            <a:ext cx="3135109" cy="3471012"/>
+          </a:xfrm>
+          <a:prstGeom prst="rect">
+            <a:avLst/>
+          </a:prstGeom>
+        </p:spPr>
+      </p:pic>
+      <p:sp>
+        <p:nvSpPr>
+          <p:cNvPr id="5" name="ZoneTexte 4">
+            <a:extLst>
+              <a:ext uri="{FF2B5EF4-FFF2-40B4-BE49-F238E27FC236}">
+                <a16:creationId xmlns:a16="http://schemas.microsoft.com/office/drawing/2014/main" id="{9A94B1D7-C757-45E5-9054-76B5DEFFEAFC}"/>
+              </a:ext>
+            </a:extLst>
+          </p:cNvPr>
+          <p:cNvSpPr txBox="1"/>
+          <p:nvPr/>
+        </p:nvSpPr>
+        <p:spPr>
+          <a:xfrm>
+            <a:off x="3029716" y="5792802"/>
+            <a:ext cx="4990854" cy="369332"/>
+          </a:xfrm>
+          <a:prstGeom prst="rect">
+            <a:avLst/>
+          </a:prstGeom>
+          <a:noFill/>
+        </p:spPr>
+        <p:txBody>
+          <a:bodyPr wrap="square" rtlCol="0">
+            <a:spAutoFit/>
+          </a:bodyPr>
+          <a:lstStyle/>
+          <a:p>
+            <a:r>
+              <a:rPr lang="fr-BE" dirty="0">
+                <a:hlinkClick r:id="rId3"/>
+              </a:rPr>
+              <a:t>https://fr.wikipedia.org/wiki/Internet_des_objets</a:t>
+            </a:r>
+            <a:r>
+              <a:rPr lang="fr-BE" dirty="0"/>
+              <a:t> </a:t>
+            </a:r>
+          </a:p>
+        </p:txBody>
+      </p:sp>
+    </p:spTree>
+    <p:extLst>
+      <p:ext uri="{BB962C8B-B14F-4D97-AF65-F5344CB8AC3E}">
+        <p14:creationId xmlns:p14="http://schemas.microsoft.com/office/powerpoint/2010/main" val="217008071"/>
+      </p:ext>
+    </p:extLst>
+  </p:cSld>
+  <p:clrMapOvr>
+    <a:masterClrMapping/>
+  </p:clrMapOvr>
+</p:sld>
+</file>
+
+<file path=ppt/slides/slide9.xml><?xml version="1.0" encoding="utf-8"?>
+<p:sld xmlns:a="http://schemas.openxmlformats.org/drawingml/2006/main" xmlns:r="http://schemas.openxmlformats.org/officeDocument/2006/relationships" xmlns:p="http://schemas.openxmlformats.org/presentationml/2006/main">
+  <p:cSld>
+    <p:bg>
+      <p:bgPr>
+        <a:solidFill>
+          <a:schemeClr val="bg1"/>
+        </a:solidFill>
+        <a:effectLst/>
+      </p:bgPr>
+    </p:bg>
+    <p:spTree>
+      <p:nvGrpSpPr>
+        <p:cNvPr id="1" name=""/>
+        <p:cNvGrpSpPr/>
+        <p:nvPr/>
+      </p:nvGrpSpPr>
+      <p:grpSpPr>
+        <a:xfrm>
+          <a:off x="0" y="0"/>
+          <a:ext cx="0" cy="0"/>
+          <a:chOff x="0" y="0"/>
+          <a:chExt cx="0" cy="0"/>
+        </a:xfrm>
+      </p:grpSpPr>
+      <p:sp useBgFill="1">
+        <p:nvSpPr>
+          <p:cNvPr id="10" name="Rectangle 9">
+            <a:extLst>
+              <a:ext uri="{FF2B5EF4-FFF2-40B4-BE49-F238E27FC236}">
+                <a16:creationId xmlns:a16="http://schemas.microsoft.com/office/drawing/2014/main" id="{52ABB703-2B0E-4C3B-B4A2-F3973548E561}"/>
+              </a:ext>
+              <a:ext uri="{C183D7F6-B498-43B3-948B-1728B52AA6E4}">
+                <adec:decorative xmlns:adec="http://schemas.microsoft.com/office/drawing/2017/decorative" val="1"/>
+              </a:ext>
+            </a:extLst>
+          </p:cNvPr>
+          <p:cNvSpPr>
+            <a:spLocks noGrp="1" noRot="1" noChangeAspect="1" noMove="1" noResize="1" noEditPoints="1" noAdjustHandles="1" noChangeArrowheads="1" noChangeShapeType="1" noTextEdit="1"/>
+          </p:cNvSpPr>
+          <p:nvPr>
+            <p:extLst>
+              <p:ext uri="{386F3935-93C4-4BCD-93E2-E3B085C9AB24}">
+                <p16:designElem xmlns:p16="http://schemas.microsoft.com/office/powerpoint/2015/main" val="1"/>
+              </p:ext>
+            </p:extLst>
+          </p:nvPr>
+        </p:nvSpPr>
+        <p:spPr>
+          <a:xfrm>
+            <a:off x="0" y="0"/>
+            <a:ext cx="12192001" cy="6334316"/>
+          </a:xfrm>
+          <a:prstGeom prst="rect">
+            <a:avLst/>
+          </a:prstGeom>
+          <a:ln>
+            <a:noFill/>
+          </a:ln>
+        </p:spPr>
+        <p:style>
+          <a:lnRef idx="2">
+            <a:schemeClr val="accent1">
+              <a:shade val="50000"/>
+            </a:schemeClr>
+          </a:lnRef>
+          <a:fillRef idx="1">
+            <a:schemeClr val="accent1"/>
+          </a:fillRef>
+          <a:effectRef idx="0">
+            <a:schemeClr val="accent1"/>
+          </a:effectRef>
+          <a:fontRef idx="minor">
+            <a:schemeClr val="lt1"/>
+          </a:fontRef>
+        </p:style>
+        <p:txBody>
+          <a:bodyPr rtlCol="0" anchor="ctr"/>
+          <a:lstStyle/>
+          <a:p>
+            <a:pPr algn="ctr"/>
+            <a:endParaRPr lang="en-US"/>
+          </a:p>
+        </p:txBody>
+      </p:sp>
+      <p:sp>
+        <p:nvSpPr>
+          <p:cNvPr id="2" name="Titre 1">
+            <a:extLst>
+              <a:ext uri="{FF2B5EF4-FFF2-40B4-BE49-F238E27FC236}">
+                <a16:creationId xmlns:a16="http://schemas.microsoft.com/office/drawing/2014/main" id="{B3AE15E9-DD7E-48B2-9B25-2A47944F7207}"/>
+              </a:ext>
+            </a:extLst>
+          </p:cNvPr>
+          <p:cNvSpPr>
+            <a:spLocks noGrp="1"/>
+          </p:cNvSpPr>
+          <p:nvPr>
+            <p:ph type="title"/>
+          </p:nvPr>
+        </p:nvSpPr>
+        <p:spPr>
+          <a:xfrm>
+            <a:off x="6411685" y="634946"/>
+            <a:ext cx="5127171" cy="1450757"/>
+          </a:xfrm>
+        </p:spPr>
+        <p:txBody>
+          <a:bodyPr>
+            <a:normAutofit/>
+          </a:bodyPr>
+          <a:lstStyle/>
+          <a:p>
+            <a:r>
+              <a:rPr lang="fr-BE"/>
+              <a:t>Qu’est-ce qu’un objet connecté ?</a:t>
+            </a:r>
+            <a:endParaRPr lang="fr-BE" dirty="0"/>
+          </a:p>
+        </p:txBody>
+      </p:sp>
+      <p:pic>
+        <p:nvPicPr>
+          <p:cNvPr id="5" name="Image 4">
+            <a:extLst>
+              <a:ext uri="{FF2B5EF4-FFF2-40B4-BE49-F238E27FC236}">
+                <a16:creationId xmlns:a16="http://schemas.microsoft.com/office/drawing/2014/main" id="{71B5C2DF-94B1-4166-A340-8FF5787E08B8}"/>
+              </a:ext>
+            </a:extLst>
+          </p:cNvPr>
+          <p:cNvPicPr>
+            <a:picLocks noChangeAspect="1"/>
+          </p:cNvPicPr>
+          <p:nvPr/>
+        </p:nvPicPr>
+        <p:blipFill>
+          <a:blip r:embed="rId2"/>
+          <a:stretch>
+            <a:fillRect/>
+          </a:stretch>
+        </p:blipFill>
+        <p:spPr>
+          <a:xfrm>
+            <a:off x="643192" y="1797040"/>
+            <a:ext cx="5451627" cy="2943878"/>
+          </a:xfrm>
+          <a:prstGeom prst="rect">
+            <a:avLst/>
+          </a:prstGeom>
+        </p:spPr>
+      </p:pic>
+      <p:cxnSp>
+        <p:nvCxnSpPr>
+          <p:cNvPr id="12" name="Straight Connector 11">
+            <a:extLst>
+              <a:ext uri="{FF2B5EF4-FFF2-40B4-BE49-F238E27FC236}">
+                <a16:creationId xmlns:a16="http://schemas.microsoft.com/office/drawing/2014/main" id="{9C21570E-E159-49A6-9891-FA397B7A92D3}"/>
+              </a:ext>
+              <a:ext uri="{C183D7F6-B498-43B3-948B-1728B52AA6E4}">
+                <adec:decorative xmlns:adec="http://schemas.microsoft.com/office/drawing/2017/decorative" val="1"/>
+              </a:ext>
+            </a:extLst>
+          </p:cNvPr>
+          <p:cNvCxnSpPr>
+            <a:cxnSpLocks noGrp="1" noRot="1" noChangeAspect="1" noMove="1" noResize="1" noEditPoints="1" noAdjustHandles="1" noChangeArrowheads="1" noChangeShapeType="1"/>
+          </p:cNvCxnSpPr>
+          <p:nvPr>
+            <p:extLst>
+              <p:ext uri="{386F3935-93C4-4BCD-93E2-E3B085C9AB24}">
+                <p16:designElem xmlns:p16="http://schemas.microsoft.com/office/powerpoint/2015/main" val="1"/>
+              </p:ext>
+            </p:extLst>
+          </p:nvPr>
+        </p:nvCxnSpPr>
+        <p:spPr>
+          <a:xfrm>
+            <a:off x="6411684" y="2086188"/>
+            <a:ext cx="4748808" cy="0"/>
+          </a:xfrm>
+          <a:prstGeom prst="line">
+            <a:avLst/>
+          </a:prstGeom>
+          <a:ln w="6350">
+            <a:solidFill>
+              <a:schemeClr val="tx1">
+                <a:lumMod val="50000"/>
+                <a:lumOff val="50000"/>
+                <a:alpha val="90000"/>
+              </a:schemeClr>
+            </a:solidFill>
+          </a:ln>
+        </p:spPr>
+        <p:style>
+          <a:lnRef idx="1">
+            <a:schemeClr val="accent1"/>
+          </a:lnRef>
+          <a:fillRef idx="0">
+            <a:schemeClr val="accent1"/>
+          </a:fillRef>
+          <a:effectRef idx="0">
+            <a:schemeClr val="accent1"/>
+          </a:effectRef>
+          <a:fontRef idx="minor">
+            <a:schemeClr val="tx1"/>
+          </a:fontRef>
+        </p:style>
+      </p:cxnSp>
+      <p:sp>
+        <p:nvSpPr>
+          <p:cNvPr id="3" name="Espace réservé du contenu 2">
+            <a:extLst>
+              <a:ext uri="{FF2B5EF4-FFF2-40B4-BE49-F238E27FC236}">
+                <a16:creationId xmlns:a16="http://schemas.microsoft.com/office/drawing/2014/main" id="{6A6E229B-212F-4C5C-984B-EF3817DBF5DF}"/>
+              </a:ext>
+            </a:extLst>
+          </p:cNvPr>
+          <p:cNvSpPr>
+            <a:spLocks noGrp="1"/>
+          </p:cNvSpPr>
+          <p:nvPr>
+            <p:ph idx="1"/>
+          </p:nvPr>
+        </p:nvSpPr>
+        <p:spPr>
+          <a:xfrm>
+            <a:off x="6411684" y="2198914"/>
+            <a:ext cx="5127172" cy="3670180"/>
+          </a:xfrm>
+        </p:spPr>
+        <p:txBody>
+          <a:bodyPr>
+            <a:normAutofit/>
+          </a:bodyPr>
+          <a:lstStyle/>
+          <a:p>
+            <a:r>
+              <a:rPr lang="fr-BE" dirty="0"/>
+              <a:t>Un objet connecté est constitué de :</a:t>
+            </a:r>
+          </a:p>
+          <a:p>
+            <a:pPr lvl="1"/>
+            <a:r>
+              <a:rPr lang="fr-BE" dirty="0"/>
+              <a:t>Un </a:t>
+            </a:r>
+            <a:r>
+              <a:rPr lang="fr-BE" b="1" dirty="0"/>
+              <a:t>capteur ou actionneur</a:t>
+            </a:r>
+            <a:r>
+              <a:rPr lang="fr-BE" dirty="0"/>
+              <a:t> pour interagir avec son environnement</a:t>
+            </a:r>
+          </a:p>
+          <a:p>
+            <a:pPr lvl="1"/>
+            <a:r>
+              <a:rPr lang="fr-BE" dirty="0"/>
+              <a:t>Un </a:t>
+            </a:r>
+            <a:r>
+              <a:rPr lang="fr-BE" b="1" dirty="0"/>
+              <a:t>microcontrôleur</a:t>
+            </a:r>
+            <a:r>
+              <a:rPr lang="fr-BE" dirty="0"/>
+              <a:t> pour transformer les données</a:t>
+            </a:r>
+          </a:p>
+          <a:p>
+            <a:pPr lvl="1"/>
+            <a:r>
+              <a:rPr lang="fr-BE" dirty="0"/>
+              <a:t>Un </a:t>
+            </a:r>
+            <a:r>
+              <a:rPr lang="fr-BE" b="1" dirty="0"/>
+              <a:t>moyen de communication</a:t>
+            </a:r>
+            <a:r>
+              <a:rPr lang="fr-BE" dirty="0"/>
+              <a:t> pour communiquer avec le monde</a:t>
+            </a:r>
+          </a:p>
+          <a:p>
+            <a:pPr lvl="1"/>
+            <a:r>
+              <a:rPr lang="fr-BE" dirty="0"/>
+              <a:t> Une </a:t>
+            </a:r>
+            <a:r>
+              <a:rPr lang="fr-BE" b="1" dirty="0"/>
+              <a:t>source d’énergie</a:t>
+            </a:r>
+            <a:r>
+              <a:rPr lang="fr-BE" dirty="0"/>
+              <a:t> pour alimenter les éléments précédents</a:t>
+            </a:r>
+          </a:p>
+        </p:txBody>
+      </p:sp>
+      <p:sp>
+        <p:nvSpPr>
+          <p:cNvPr id="14" name="Rectangle 13">
+            <a:extLst>
+              <a:ext uri="{FF2B5EF4-FFF2-40B4-BE49-F238E27FC236}">
+                <a16:creationId xmlns:a16="http://schemas.microsoft.com/office/drawing/2014/main" id="{E95DA498-D9A2-4DA9-B9DA-B3776E08CF7E}"/>
+              </a:ext>
+              <a:ext uri="{C183D7F6-B498-43B3-948B-1728B52AA6E4}">
+                <adec:decorative xmlns:adec="http://schemas.microsoft.com/office/drawing/2017/decorative" val="1"/>
+              </a:ext>
+            </a:extLst>
+          </p:cNvPr>
+          <p:cNvSpPr>
+            <a:spLocks noGrp="1" noRot="1" noChangeAspect="1" noMove="1" noResize="1" noEditPoints="1" noAdjustHandles="1" noChangeArrowheads="1" noChangeShapeType="1" noTextEdit="1"/>
+          </p:cNvSpPr>
+          <p:nvPr>
+            <p:extLst>
+              <p:ext uri="{386F3935-93C4-4BCD-93E2-E3B085C9AB24}">
+                <p16:designElem xmlns:p16="http://schemas.microsoft.com/office/powerpoint/2015/main" val="1"/>
+              </p:ext>
+            </p:extLst>
+          </p:nvPr>
+        </p:nvSpPr>
+        <p:spPr>
+          <a:xfrm>
+            <a:off x="15" y="6334316"/>
+            <a:ext cx="12191985" cy="66484"/>
+          </a:xfrm>
+          <a:prstGeom prst="rect">
+            <a:avLst/>
+          </a:prstGeom>
+          <a:solidFill>
+            <a:schemeClr val="accent1"/>
+          </a:solidFill>
+          <a:ln>
+            <a:noFill/>
+          </a:ln>
+        </p:spPr>
+        <p:style>
+          <a:lnRef idx="2">
+            <a:schemeClr val="accent1">
+              <a:shade val="50000"/>
+            </a:schemeClr>
+          </a:lnRef>
+          <a:fillRef idx="1">
+            <a:schemeClr val="accent1"/>
+          </a:fillRef>
+          <a:effectRef idx="0">
+            <a:schemeClr val="accent1"/>
+          </a:effectRef>
+          <a:fontRef idx="minor">
+            <a:schemeClr val="lt1"/>
+          </a:fontRef>
+        </p:style>
+      </p:sp>
+      <p:sp>
+        <p:nvSpPr>
+          <p:cNvPr id="16" name="Rectangle 15">
+            <a:extLst>
+              <a:ext uri="{FF2B5EF4-FFF2-40B4-BE49-F238E27FC236}">
+                <a16:creationId xmlns:a16="http://schemas.microsoft.com/office/drawing/2014/main" id="{82A73093-4B9D-420D-B17E-52293703A1D4}"/>
+              </a:ext>
+              <a:ext uri="{C183D7F6-B498-43B3-948B-1728B52AA6E4}">
+                <adec:decorative xmlns:adec="http://schemas.microsoft.com/office/drawing/2017/decorative" val="1"/>
+              </a:ext>
+            </a:extLst>
+          </p:cNvPr>
+          <p:cNvSpPr>
+            <a:spLocks noGrp="1" noRot="1" noChangeAspect="1" noMove="1" noResize="1" noEditPoints="1" noAdjustHandles="1" noChangeArrowheads="1" noChangeShapeType="1" noTextEdit="1"/>
+          </p:cNvSpPr>
+          <p:nvPr>
+            <p:extLst>
+              <p:ext uri="{386F3935-93C4-4BCD-93E2-E3B085C9AB24}">
+                <p16:designElem xmlns:p16="http://schemas.microsoft.com/office/powerpoint/2015/main" val="1"/>
+              </p:ext>
+            </p:extLst>
+          </p:nvPr>
+        </p:nvSpPr>
+        <p:spPr>
+          <a:xfrm>
+            <a:off x="1" y="6400800"/>
+            <a:ext cx="12192000" cy="457200"/>
+          </a:xfrm>
+          <a:prstGeom prst="rect">
+            <a:avLst/>
+          </a:prstGeom>
+          <a:solidFill>
+            <a:schemeClr val="accent2"/>
+          </a:solidFill>
+          <a:ln>
+            <a:noFill/>
+          </a:ln>
+        </p:spPr>
+        <p:style>
+          <a:lnRef idx="2">
+            <a:schemeClr val="accent1">
+              <a:shade val="50000"/>
+            </a:schemeClr>
+          </a:lnRef>
+          <a:fillRef idx="1">
+            <a:schemeClr val="accent1"/>
+          </a:fillRef>
+          <a:effectRef idx="0">
+            <a:schemeClr val="accent1"/>
+          </a:effectRef>
+          <a:fontRef idx="minor">
+            <a:schemeClr val="lt1"/>
+          </a:fontRef>
+        </p:style>
+      </p:sp>
+    </p:spTree>
+    <p:extLst>
+      <p:ext uri="{BB962C8B-B14F-4D97-AF65-F5344CB8AC3E}">
+        <p14:creationId xmlns:p14="http://schemas.microsoft.com/office/powerpoint/2010/main" val="1467129843"/>
+      </p:ext>
+    </p:extLst>
+  </p:cSld>
+  <p:clrMapOvr>
+    <a:masterClrMapping/>
+  </p:clrMapOvr>
+</p:sld>
+</file>
+
 <file path=ppt/theme/theme1.xml><?xml version="1.0" encoding="utf-8"?>
 <a:theme xmlns:a="http://schemas.openxmlformats.org/drawingml/2006/main" name="Rétrospective">
   <a:themeElements>
@@ -10265,10 +15150,10 @@
   <wetp:taskpane dockstate="right" visibility="0" width="700" row="4">
     <wetp:webextensionref xmlns:r="http://schemas.openxmlformats.org/officeDocument/2006/relationships" r:id="rId1"/>
   </wetp:taskpane>
-  <wetp:taskpane dockstate="right" visibility="0" width="700" row="9">
+  <wetp:taskpane dockstate="right" visibility="0" width="700" row="6">
     <wetp:webextensionref xmlns:r="http://schemas.openxmlformats.org/officeDocument/2006/relationships" r:id="rId2"/>
   </wetp:taskpane>
-  <wetp:taskpane dockstate="right" visibility="0" width="700" row="8">
+  <wetp:taskpane dockstate="right" visibility="0" width="700" row="6">
     <wetp:webextensionref xmlns:r="http://schemas.openxmlformats.org/officeDocument/2006/relationships" r:id="rId3"/>
   </wetp:taskpane>
 </wetp:taskpanes>
